--- a/Kafka.pptx
+++ b/Kafka.pptx
@@ -28,10 +28,19 @@
     <p:sldId id="300" r:id="rId22"/>
     <p:sldId id="301" r:id="rId23"/>
     <p:sldId id="302" r:id="rId24"/>
-    <p:sldId id="304" r:id="rId25"/>
-    <p:sldId id="305" r:id="rId26"/>
-    <p:sldId id="282" r:id="rId27"/>
-    <p:sldId id="283" r:id="rId28"/>
+    <p:sldId id="306" r:id="rId25"/>
+    <p:sldId id="304" r:id="rId26"/>
+    <p:sldId id="305" r:id="rId27"/>
+    <p:sldId id="307" r:id="rId28"/>
+    <p:sldId id="308" r:id="rId29"/>
+    <p:sldId id="309" r:id="rId30"/>
+    <p:sldId id="310" r:id="rId31"/>
+    <p:sldId id="311" r:id="rId32"/>
+    <p:sldId id="312" r:id="rId33"/>
+    <p:sldId id="313" r:id="rId34"/>
+    <p:sldId id="314" r:id="rId35"/>
+    <p:sldId id="282" r:id="rId36"/>
+    <p:sldId id="283" r:id="rId37"/>
   </p:sldIdLst>
   <p:sldSz cx="12192000" cy="6858000"/>
   <p:notesSz cx="6858000" cy="9144000"/>
@@ -306,7 +315,7 @@
           <a:p>
             <a:fld id="{9E016143-E03C-4CFD-AFDC-14E5BDEA754C}" type="datetimeFigureOut">
               <a:rPr lang="en-US" dirty="0"/>
-              <a:t>3/22/2020</a:t>
+              <a:t>3/25/2020</a:t>
             </a:fld>
             <a:endParaRPr lang="en-US" dirty="0"/>
           </a:p>
@@ -530,7 +539,7 @@
           <a:p>
             <a:fld id="{C033E54A-A8CA-48C1-9504-691B58049D29}" type="datetimeFigureOut">
               <a:rPr lang="en-US" dirty="0"/>
-              <a:t>3/22/2020</a:t>
+              <a:t>3/25/2020</a:t>
             </a:fld>
             <a:endParaRPr lang="en-US" dirty="0"/>
           </a:p>
@@ -705,7 +714,7 @@
           <a:p>
             <a:fld id="{B5F6C806-BBF7-471C-9527-881CE2266695}" type="datetimeFigureOut">
               <a:rPr lang="en-US" dirty="0"/>
-              <a:t>3/22/2020</a:t>
+              <a:t>3/25/2020</a:t>
             </a:fld>
             <a:endParaRPr lang="en-US" dirty="0"/>
           </a:p>
@@ -881,7 +890,7 @@
           <a:p>
             <a:fld id="{78C94063-DF36-4330-A365-08DA1FA5B7D6}" type="datetimeFigureOut">
               <a:rPr lang="en-US" dirty="0"/>
-              <a:t>3/22/2020</a:t>
+              <a:t>3/25/2020</a:t>
             </a:fld>
             <a:endParaRPr lang="en-US" dirty="0"/>
           </a:p>
@@ -1130,7 +1139,7 @@
           <a:p>
             <a:fld id="{908A7C6C-0F39-4D70-8E8D-FE5B9C95FA73}" type="datetimeFigureOut">
               <a:rPr lang="en-US" dirty="0"/>
-              <a:t>3/22/2020</a:t>
+              <a:t>3/25/2020</a:t>
             </a:fld>
             <a:endParaRPr lang="en-US" dirty="0"/>
           </a:p>
@@ -1451,7 +1460,7 @@
           <a:p>
             <a:fld id="{DFCFA4AC-08CC-42CE-BD01-C191750A04EC}" type="datetimeFigureOut">
               <a:rPr lang="en-US" dirty="0"/>
-              <a:t>3/22/2020</a:t>
+              <a:t>3/25/2020</a:t>
             </a:fld>
             <a:endParaRPr lang="en-US" dirty="0"/>
           </a:p>
@@ -1897,7 +1906,7 @@
           <a:p>
             <a:fld id="{1BA7A723-92A7-435B-B681-F25B092FEFEB}" type="datetimeFigureOut">
               <a:rPr lang="en-US" dirty="0"/>
-              <a:t>3/22/2020</a:t>
+              <a:t>3/25/2020</a:t>
             </a:fld>
             <a:endParaRPr lang="en-US" dirty="0"/>
           </a:p>
@@ -2010,7 +2019,7 @@
           <a:p>
             <a:fld id="{4F170639-886C-4FCF-9EAB-ABB5DA3F3F4A}" type="datetimeFigureOut">
               <a:rPr lang="en-US" dirty="0"/>
-              <a:t>3/22/2020</a:t>
+              <a:t>3/25/2020</a:t>
             </a:fld>
             <a:endParaRPr lang="en-US" dirty="0"/>
           </a:p>
@@ -2100,7 +2109,7 @@
           <a:p>
             <a:fld id="{22230651-31F4-45D2-98AE-A2108F41BC07}" type="datetimeFigureOut">
               <a:rPr lang="en-US" dirty="0"/>
-              <a:t>3/22/2020</a:t>
+              <a:t>3/25/2020</a:t>
             </a:fld>
             <a:endParaRPr lang="en-US" dirty="0"/>
           </a:p>
@@ -2382,7 +2391,7 @@
           <a:p>
             <a:fld id="{6F53789A-C914-4DB1-8815-80B5EC7335C5}" type="datetimeFigureOut">
               <a:rPr lang="en-US" dirty="0"/>
-              <a:t>3/22/2020</a:t>
+              <a:t>3/25/2020</a:t>
             </a:fld>
             <a:endParaRPr lang="en-US" dirty="0"/>
           </a:p>
@@ -2699,7 +2708,7 @@
           <a:p>
             <a:fld id="{5E6440AA-91A0-436F-8FDB-C0F939DCAE21}" type="datetimeFigureOut">
               <a:rPr lang="en-US" dirty="0"/>
-              <a:t>3/22/2020</a:t>
+              <a:t>3/25/2020</a:t>
             </a:fld>
             <a:endParaRPr lang="en-US" dirty="0"/>
           </a:p>
@@ -2948,7 +2957,7 @@
           <a:p>
             <a:fld id="{0E59FD0C-5451-4CA0-86AF-E70AE3279989}" type="datetimeFigureOut">
               <a:rPr lang="en-US" dirty="0"/>
-              <a:t>3/22/2020</a:t>
+              <a:t>3/25/2020</a:t>
             </a:fld>
             <a:endParaRPr lang="en-US" dirty="0"/>
           </a:p>
@@ -7986,15 +7995,7 @@
           <a:p>
             <a:r>
               <a:rPr lang="pt-BR" dirty="0"/>
-              <a:t>A Loja DEVE ter um tempo de resposta máximo de </a:t>
-            </a:r>
-            <a:r>
-              <a:rPr lang="pt-BR" dirty="0" err="1"/>
-              <a:t>Xms</a:t>
-            </a:r>
-            <a:r>
-              <a:rPr lang="pt-BR" dirty="0"/>
-              <a:t> por requisição</a:t>
+              <a:t>A Loja DEVE ter um tempo de resposta máximo em milissegundos por requisição</a:t>
             </a:r>
           </a:p>
         </p:txBody>
@@ -8835,10 +8836,10 @@
       </p:grpSpPr>
       <p:sp>
         <p:nvSpPr>
-          <p:cNvPr id="4" name="Título 3">
-            <a:extLst>
-              <a:ext uri="{FF2B5EF4-FFF2-40B4-BE49-F238E27FC236}">
-                <a16:creationId xmlns:a16="http://schemas.microsoft.com/office/drawing/2014/main" id="{3E32E68E-E8E1-4A67-A9C2-3D99E05241C0}"/>
+          <p:cNvPr id="2" name="Título 1">
+            <a:extLst>
+              <a:ext uri="{FF2B5EF4-FFF2-40B4-BE49-F238E27FC236}">
+                <a16:creationId xmlns:a16="http://schemas.microsoft.com/office/drawing/2014/main" id="{15371AA8-0352-427E-A16D-43AD29A66E64}"/>
               </a:ext>
             </a:extLst>
           </p:cNvPr>
@@ -8846,7 +8847,7 @@
             <a:spLocks noGrp="1"/>
           </p:cNvSpPr>
           <p:nvPr>
-            <p:ph type="ctrTitle"/>
+            <p:ph type="title"/>
           </p:nvPr>
         </p:nvSpPr>
         <p:spPr/>
@@ -8856,17 +8857,17 @@
           <a:p>
             <a:r>
               <a:rPr lang="pt-BR" dirty="0"/>
-              <a:t>Usando Kafka no Java SE</a:t>
-            </a:r>
-          </a:p>
-        </p:txBody>
-      </p:sp>
-      <p:sp>
-        <p:nvSpPr>
-          <p:cNvPr id="5" name="Subtítulo 4">
-            <a:extLst>
-              <a:ext uri="{FF2B5EF4-FFF2-40B4-BE49-F238E27FC236}">
-                <a16:creationId xmlns:a16="http://schemas.microsoft.com/office/drawing/2014/main" id="{28DD24B7-DC3B-4ECF-82DD-0A717EE28F06}"/>
+              <a:t>Requisitos</a:t>
+            </a:r>
+          </a:p>
+        </p:txBody>
+      </p:sp>
+      <p:sp>
+        <p:nvSpPr>
+          <p:cNvPr id="3" name="Espaço Reservado para Conteúdo 2">
+            <a:extLst>
+              <a:ext uri="{FF2B5EF4-FFF2-40B4-BE49-F238E27FC236}">
+                <a16:creationId xmlns:a16="http://schemas.microsoft.com/office/drawing/2014/main" id="{28EB103B-1123-4E34-8E4F-7725902A906F}"/>
               </a:ext>
             </a:extLst>
           </p:cNvPr>
@@ -8874,7 +8875,7 @@
             <a:spLocks noGrp="1"/>
           </p:cNvSpPr>
           <p:nvPr>
-            <p:ph type="subTitle" idx="1"/>
+            <p:ph sz="half" idx="1"/>
           </p:nvPr>
         </p:nvSpPr>
         <p:spPr/>
@@ -8882,14 +8883,120 @@
           <a:bodyPr/>
           <a:lstStyle/>
           <a:p>
-            <a:endParaRPr lang="pt-BR"/>
+            <a:r>
+              <a:rPr lang="pt-BR" dirty="0"/>
+              <a:t>Cada serviço deve ter</a:t>
+            </a:r>
+          </a:p>
+          <a:p>
+            <a:pPr marL="617220" lvl="1" indent="-342900">
+              <a:buFont typeface="+mj-lt"/>
+              <a:buAutoNum type="arabicPeriod"/>
+            </a:pPr>
+            <a:r>
+              <a:rPr lang="pt-BR" dirty="0" err="1"/>
+              <a:t>Consumers</a:t>
+            </a:r>
+            <a:r>
+              <a:rPr lang="pt-BR" dirty="0"/>
+              <a:t> e </a:t>
+            </a:r>
+            <a:r>
+              <a:rPr lang="pt-BR" dirty="0" err="1"/>
+              <a:t>Producers</a:t>
+            </a:r>
+            <a:endParaRPr lang="pt-BR" dirty="0"/>
+          </a:p>
+          <a:p>
+            <a:pPr marL="617220" lvl="1" indent="-342900">
+              <a:buFont typeface="+mj-lt"/>
+              <a:buAutoNum type="arabicPeriod"/>
+            </a:pPr>
+            <a:r>
+              <a:rPr lang="pt-BR" dirty="0"/>
+              <a:t>A lógica da Serialização/Envio/Consumo não deve “poluir” o código</a:t>
+            </a:r>
+          </a:p>
+          <a:p>
+            <a:pPr marL="617220" lvl="1" indent="-342900">
+              <a:buFont typeface="+mj-lt"/>
+              <a:buAutoNum type="arabicPeriod"/>
+            </a:pPr>
+            <a:r>
+              <a:rPr lang="pt-BR" dirty="0"/>
+              <a:t>Eventos correlatos devem poder ser associados</a:t>
+            </a:r>
+          </a:p>
+          <a:p>
+            <a:pPr marL="274320" lvl="1" indent="0">
+              <a:buNone/>
+            </a:pPr>
+            <a:endParaRPr lang="pt-BR" dirty="0"/>
+          </a:p>
+        </p:txBody>
+      </p:sp>
+      <p:sp>
+        <p:nvSpPr>
+          <p:cNvPr id="4" name="Espaço Reservado para Conteúdo 3">
+            <a:extLst>
+              <a:ext uri="{FF2B5EF4-FFF2-40B4-BE49-F238E27FC236}">
+                <a16:creationId xmlns:a16="http://schemas.microsoft.com/office/drawing/2014/main" id="{D166D24D-0C1F-4201-AE1F-9D12BCBD1F87}"/>
+              </a:ext>
+            </a:extLst>
+          </p:cNvPr>
+          <p:cNvSpPr>
+            <a:spLocks noGrp="1"/>
+          </p:cNvSpPr>
+          <p:nvPr>
+            <p:ph sz="half" idx="2"/>
+          </p:nvPr>
+        </p:nvSpPr>
+        <p:spPr/>
+        <p:txBody>
+          <a:bodyPr/>
+          <a:lstStyle/>
+          <a:p>
+            <a:r>
+              <a:rPr lang="pt-BR" dirty="0"/>
+              <a:t>Para isso</a:t>
+            </a:r>
+          </a:p>
+          <a:p>
+            <a:pPr lvl="1"/>
+            <a:r>
+              <a:rPr lang="pt-BR" dirty="0" err="1"/>
+              <a:t>Factory</a:t>
+            </a:r>
+            <a:r>
+              <a:rPr lang="pt-BR" dirty="0"/>
+              <a:t> </a:t>
+            </a:r>
+            <a:r>
+              <a:rPr lang="pt-BR" dirty="0" err="1"/>
+              <a:t>Pattern</a:t>
+            </a:r>
+            <a:r>
+              <a:rPr lang="pt-BR" dirty="0"/>
+              <a:t> resolverá (1) e (2)</a:t>
+            </a:r>
+          </a:p>
+          <a:p>
+            <a:pPr lvl="1"/>
+            <a:r>
+              <a:rPr lang="pt-BR" dirty="0"/>
+              <a:t>Cada Evento deve ter seu Id, eventos derivados desse devem copiar o seu Id</a:t>
+            </a:r>
+          </a:p>
+          <a:p>
+            <a:pPr lvl="1"/>
+            <a:endParaRPr lang="pt-BR" dirty="0"/>
           </a:p>
         </p:txBody>
       </p:sp>
     </p:spTree>
     <p:extLst>
       <p:ext uri="{BB962C8B-B14F-4D97-AF65-F5344CB8AC3E}">
-        <p14:creationId xmlns:p14="http://schemas.microsoft.com/office/powerpoint/2010/main" val="3402304258"/>
+        <p14:creationId xmlns:p14="http://schemas.microsoft.com/office/powerpoint/2010/main" val="2468946875"/>
       </p:ext>
     </p:extLst>
   </p:cSld>
@@ -8918,10 +9025,10 @@
       </p:grpSpPr>
       <p:sp>
         <p:nvSpPr>
-          <p:cNvPr id="2" name="Título 1">
-            <a:extLst>
-              <a:ext uri="{FF2B5EF4-FFF2-40B4-BE49-F238E27FC236}">
-                <a16:creationId xmlns:a16="http://schemas.microsoft.com/office/drawing/2014/main" id="{0376085A-9D6F-41EF-A87F-DE3951A0D766}"/>
+          <p:cNvPr id="4" name="Título 3">
+            <a:extLst>
+              <a:ext uri="{FF2B5EF4-FFF2-40B4-BE49-F238E27FC236}">
+                <a16:creationId xmlns:a16="http://schemas.microsoft.com/office/drawing/2014/main" id="{3E32E68E-E8E1-4A67-A9C2-3D99E05241C0}"/>
               </a:ext>
             </a:extLst>
           </p:cNvPr>
@@ -8929,7 +9036,7 @@
             <a:spLocks noGrp="1"/>
           </p:cNvSpPr>
           <p:nvPr>
-            <p:ph type="title"/>
+            <p:ph type="ctrTitle"/>
           </p:nvPr>
         </p:nvSpPr>
         <p:spPr/>
@@ -8937,16 +9044,19 @@
           <a:bodyPr/>
           <a:lstStyle/>
           <a:p>
-            <a:endParaRPr lang="pt-BR"/>
-          </a:p>
-        </p:txBody>
-      </p:sp>
-      <p:sp>
-        <p:nvSpPr>
-          <p:cNvPr id="3" name="Espaço Reservado para Conteúdo 2">
-            <a:extLst>
-              <a:ext uri="{FF2B5EF4-FFF2-40B4-BE49-F238E27FC236}">
-                <a16:creationId xmlns:a16="http://schemas.microsoft.com/office/drawing/2014/main" id="{6782F5BE-E64C-4640-B16A-6834B00C3B1F}"/>
+            <a:r>
+              <a:rPr lang="pt-BR" dirty="0"/>
+              <a:t>Usando Kafka no Java SE</a:t>
+            </a:r>
+          </a:p>
+        </p:txBody>
+      </p:sp>
+      <p:sp>
+        <p:nvSpPr>
+          <p:cNvPr id="5" name="Subtítulo 4">
+            <a:extLst>
+              <a:ext uri="{FF2B5EF4-FFF2-40B4-BE49-F238E27FC236}">
+                <a16:creationId xmlns:a16="http://schemas.microsoft.com/office/drawing/2014/main" id="{28DD24B7-DC3B-4ECF-82DD-0A717EE28F06}"/>
               </a:ext>
             </a:extLst>
           </p:cNvPr>
@@ -8954,7 +9064,7 @@
             <a:spLocks noGrp="1"/>
           </p:cNvSpPr>
           <p:nvPr>
-            <p:ph idx="1"/>
+            <p:ph type="subTitle" idx="1"/>
           </p:nvPr>
         </p:nvSpPr>
         <p:spPr/>
@@ -8966,6 +9076,235 @@
           </a:p>
         </p:txBody>
       </p:sp>
+    </p:spTree>
+    <p:extLst>
+      <p:ext uri="{BB962C8B-B14F-4D97-AF65-F5344CB8AC3E}">
+        <p14:creationId xmlns:p14="http://schemas.microsoft.com/office/powerpoint/2010/main" val="3402304258"/>
+      </p:ext>
+    </p:extLst>
+  </p:cSld>
+  <p:clrMapOvr>
+    <a:masterClrMapping/>
+  </p:clrMapOvr>
+</p:sld>
+</file>
+
+<file path=ppt/slides/slide26.xml><?xml version="1.0" encoding="utf-8"?>
+<p:sld xmlns:a="http://schemas.openxmlformats.org/drawingml/2006/main" xmlns:r="http://schemas.openxmlformats.org/officeDocument/2006/relationships" xmlns:p="http://schemas.openxmlformats.org/presentationml/2006/main">
+  <p:cSld>
+    <p:bg>
+      <p:bgPr>
+        <a:solidFill>
+          <a:schemeClr val="bg1"/>
+        </a:solidFill>
+        <a:effectLst/>
+      </p:bgPr>
+    </p:bg>
+    <p:spTree>
+      <p:nvGrpSpPr>
+        <p:cNvPr id="1" name=""/>
+        <p:cNvGrpSpPr/>
+        <p:nvPr/>
+      </p:nvGrpSpPr>
+      <p:grpSpPr>
+        <a:xfrm>
+          <a:off x="0" y="0"/>
+          <a:ext cx="0" cy="0"/>
+          <a:chOff x="0" y="0"/>
+          <a:chExt cx="0" cy="0"/>
+        </a:xfrm>
+      </p:grpSpPr>
+      <p:sp>
+        <p:nvSpPr>
+          <p:cNvPr id="2" name="Título 1">
+            <a:extLst>
+              <a:ext uri="{FF2B5EF4-FFF2-40B4-BE49-F238E27FC236}">
+                <a16:creationId xmlns:a16="http://schemas.microsoft.com/office/drawing/2014/main" id="{0376085A-9D6F-41EF-A87F-DE3951A0D766}"/>
+              </a:ext>
+            </a:extLst>
+          </p:cNvPr>
+          <p:cNvSpPr>
+            <a:spLocks noGrp="1"/>
+          </p:cNvSpPr>
+          <p:nvPr>
+            <p:ph type="title"/>
+          </p:nvPr>
+        </p:nvSpPr>
+        <p:spPr>
+          <a:xfrm>
+            <a:off x="643831" y="640080"/>
+            <a:ext cx="3690425" cy="1363344"/>
+          </a:xfrm>
+        </p:spPr>
+        <p:txBody>
+          <a:bodyPr>
+            <a:normAutofit/>
+          </a:bodyPr>
+          <a:lstStyle/>
+          <a:p>
+            <a:r>
+              <a:rPr lang="pt-BR" sz="3200" dirty="0"/>
+              <a:t>Dependências</a:t>
+            </a:r>
+          </a:p>
+        </p:txBody>
+      </p:sp>
+      <p:sp>
+        <p:nvSpPr>
+          <p:cNvPr id="3" name="Espaço Reservado para Conteúdo 2">
+            <a:extLst>
+              <a:ext uri="{FF2B5EF4-FFF2-40B4-BE49-F238E27FC236}">
+                <a16:creationId xmlns:a16="http://schemas.microsoft.com/office/drawing/2014/main" id="{6782F5BE-E64C-4640-B16A-6834B00C3B1F}"/>
+              </a:ext>
+            </a:extLst>
+          </p:cNvPr>
+          <p:cNvSpPr>
+            <a:spLocks noGrp="1"/>
+          </p:cNvSpPr>
+          <p:nvPr>
+            <p:ph idx="1"/>
+          </p:nvPr>
+        </p:nvSpPr>
+        <p:spPr>
+          <a:xfrm>
+            <a:off x="643831" y="2325157"/>
+            <a:ext cx="3690425" cy="3854979"/>
+          </a:xfrm>
+        </p:spPr>
+        <p:txBody>
+          <a:bodyPr>
+            <a:normAutofit/>
+          </a:bodyPr>
+          <a:lstStyle/>
+          <a:p>
+            <a:r>
+              <a:rPr lang="pt-BR" sz="1600" dirty="0"/>
+              <a:t>Usar </a:t>
+            </a:r>
+            <a:r>
+              <a:rPr lang="pt-BR" sz="1600" dirty="0" err="1"/>
+              <a:t>Maven</a:t>
+            </a:r>
+            <a:endParaRPr lang="pt-BR" sz="1600" dirty="0"/>
+          </a:p>
+          <a:p>
+            <a:pPr lvl="1"/>
+            <a:r>
+              <a:rPr lang="pt-BR" b="1" dirty="0" err="1"/>
+              <a:t>Group</a:t>
+            </a:r>
+            <a:r>
+              <a:rPr lang="pt-BR" b="1" dirty="0"/>
+              <a:t> Id</a:t>
+            </a:r>
+            <a:r>
+              <a:rPr lang="pt-BR" dirty="0"/>
+              <a:t>: 	</a:t>
+            </a:r>
+            <a:r>
+              <a:rPr lang="pt-BR" sz="1200" dirty="0" err="1">
+                <a:solidFill>
+                  <a:srgbClr val="002060"/>
+                </a:solidFill>
+                <a:latin typeface="Courier New" panose="02070309020205020404" pitchFamily="49" charset="0"/>
+                <a:cs typeface="Courier New" panose="02070309020205020404" pitchFamily="49" charset="0"/>
+              </a:rPr>
+              <a:t>org.apache.Kafka</a:t>
+            </a:r>
+            <a:endParaRPr lang="pt-BR" dirty="0">
+              <a:solidFill>
+                <a:srgbClr val="002060"/>
+              </a:solidFill>
+              <a:latin typeface="Courier New" panose="02070309020205020404" pitchFamily="49" charset="0"/>
+              <a:cs typeface="Courier New" panose="02070309020205020404" pitchFamily="49" charset="0"/>
+            </a:endParaRPr>
+          </a:p>
+          <a:p>
+            <a:pPr lvl="1"/>
+            <a:r>
+              <a:rPr lang="pt-BR" b="1" dirty="0" err="1"/>
+              <a:t>ArtifactId</a:t>
+            </a:r>
+            <a:r>
+              <a:rPr lang="pt-BR" dirty="0"/>
+              <a:t>: 	</a:t>
+            </a:r>
+            <a:r>
+              <a:rPr lang="pt-BR" sz="1200" dirty="0" err="1">
+                <a:solidFill>
+                  <a:srgbClr val="002060"/>
+                </a:solidFill>
+                <a:latin typeface="Courier New" panose="02070309020205020404" pitchFamily="49" charset="0"/>
+                <a:cs typeface="Courier New" panose="02070309020205020404" pitchFamily="49" charset="0"/>
+              </a:rPr>
+              <a:t>kafka</a:t>
+            </a:r>
+            <a:r>
+              <a:rPr lang="pt-BR" sz="1200" dirty="0">
+                <a:solidFill>
+                  <a:srgbClr val="002060"/>
+                </a:solidFill>
+                <a:latin typeface="Courier New" panose="02070309020205020404" pitchFamily="49" charset="0"/>
+                <a:cs typeface="Courier New" panose="02070309020205020404" pitchFamily="49" charset="0"/>
+              </a:rPr>
+              <a:t>-clientes</a:t>
+            </a:r>
+            <a:endParaRPr lang="pt-BR" dirty="0">
+              <a:solidFill>
+                <a:srgbClr val="002060"/>
+              </a:solidFill>
+              <a:latin typeface="Courier New" panose="02070309020205020404" pitchFamily="49" charset="0"/>
+              <a:cs typeface="Courier New" panose="02070309020205020404" pitchFamily="49" charset="0"/>
+            </a:endParaRPr>
+          </a:p>
+          <a:p>
+            <a:pPr marL="274320" lvl="1" indent="0">
+              <a:buNone/>
+            </a:pPr>
+            <a:r>
+              <a:rPr lang="pt-BR" sz="800" dirty="0">
+                <a:hlinkClick r:id="rId2"/>
+              </a:rPr>
+              <a:t>https://mvnrepository.com/artifact/org.apache.kafka/kafka-clients</a:t>
+            </a:r>
+            <a:endParaRPr lang="pt-BR" sz="800" dirty="0"/>
+          </a:p>
+          <a:p>
+            <a:pPr lvl="1"/>
+            <a:endParaRPr lang="pt-BR" dirty="0"/>
+          </a:p>
+        </p:txBody>
+      </p:sp>
+      <p:pic>
+        <p:nvPicPr>
+          <p:cNvPr id="5" name="Imagem 4">
+            <a:extLst>
+              <a:ext uri="{FF2B5EF4-FFF2-40B4-BE49-F238E27FC236}">
+                <a16:creationId xmlns:a16="http://schemas.microsoft.com/office/drawing/2014/main" id="{DE2EBBE8-B03A-49D8-AA70-0AAE89C69AE1}"/>
+              </a:ext>
+            </a:extLst>
+          </p:cNvPr>
+          <p:cNvPicPr>
+            <a:picLocks noChangeAspect="1"/>
+          </p:cNvPicPr>
+          <p:nvPr/>
+        </p:nvPicPr>
+        <p:blipFill>
+          <a:blip r:embed="rId3"/>
+          <a:stretch>
+            <a:fillRect/>
+          </a:stretch>
+        </p:blipFill>
+        <p:spPr>
+          <a:xfrm>
+            <a:off x="5303859" y="640080"/>
+            <a:ext cx="4856610" cy="5588101"/>
+          </a:xfrm>
+          <a:prstGeom prst="rect">
+            <a:avLst/>
+          </a:prstGeom>
+        </p:spPr>
+      </p:pic>
     </p:spTree>
     <p:extLst>
       <p:ext uri="{BB962C8B-B14F-4D97-AF65-F5344CB8AC3E}">
@@ -8979,7 +9318,2156 @@
 </p:sld>
 </file>
 
-<file path=ppt/slides/slide26.xml><?xml version="1.0" encoding="utf-8"?>
+<file path=ppt/slides/slide27.xml><?xml version="1.0" encoding="utf-8"?>
+<p:sld xmlns:a="http://schemas.openxmlformats.org/drawingml/2006/main" xmlns:r="http://schemas.openxmlformats.org/officeDocument/2006/relationships" xmlns:p="http://schemas.openxmlformats.org/presentationml/2006/main">
+  <p:cSld>
+    <p:spTree>
+      <p:nvGrpSpPr>
+        <p:cNvPr id="1" name=""/>
+        <p:cNvGrpSpPr/>
+        <p:nvPr/>
+      </p:nvGrpSpPr>
+      <p:grpSpPr>
+        <a:xfrm>
+          <a:off x="0" y="0"/>
+          <a:ext cx="0" cy="0"/>
+          <a:chOff x="0" y="0"/>
+          <a:chExt cx="0" cy="0"/>
+        </a:xfrm>
+      </p:grpSpPr>
+      <p:sp>
+        <p:nvSpPr>
+          <p:cNvPr id="2" name="Título 1">
+            <a:extLst>
+              <a:ext uri="{FF2B5EF4-FFF2-40B4-BE49-F238E27FC236}">
+                <a16:creationId xmlns:a16="http://schemas.microsoft.com/office/drawing/2014/main" id="{2319653A-71BE-43E4-A8FD-58E1FBE89641}"/>
+              </a:ext>
+            </a:extLst>
+          </p:cNvPr>
+          <p:cNvSpPr>
+            <a:spLocks noGrp="1"/>
+          </p:cNvSpPr>
+          <p:nvPr>
+            <p:ph type="title"/>
+          </p:nvPr>
+        </p:nvSpPr>
+        <p:spPr/>
+        <p:txBody>
+          <a:bodyPr/>
+          <a:lstStyle/>
+          <a:p>
+            <a:r>
+              <a:rPr lang="pt-BR" dirty="0"/>
+              <a:t>Criando Producer</a:t>
+            </a:r>
+          </a:p>
+        </p:txBody>
+      </p:sp>
+      <p:sp>
+        <p:nvSpPr>
+          <p:cNvPr id="3" name="Espaço Reservado para Conteúdo 2">
+            <a:extLst>
+              <a:ext uri="{FF2B5EF4-FFF2-40B4-BE49-F238E27FC236}">
+                <a16:creationId xmlns:a16="http://schemas.microsoft.com/office/drawing/2014/main" id="{0DCA394E-219E-46E0-AB1E-FE1CB0962756}"/>
+              </a:ext>
+            </a:extLst>
+          </p:cNvPr>
+          <p:cNvSpPr>
+            <a:spLocks noGrp="1"/>
+          </p:cNvSpPr>
+          <p:nvPr>
+            <p:ph idx="1"/>
+          </p:nvPr>
+        </p:nvSpPr>
+        <p:spPr/>
+        <p:txBody>
+          <a:bodyPr/>
+          <a:lstStyle/>
+          <a:p>
+            <a:endParaRPr lang="pt-BR" dirty="0"/>
+          </a:p>
+        </p:txBody>
+      </p:sp>
+      <p:graphicFrame>
+        <p:nvGraphicFramePr>
+          <p:cNvPr id="10" name="Tabela 10">
+            <a:extLst>
+              <a:ext uri="{FF2B5EF4-FFF2-40B4-BE49-F238E27FC236}">
+                <a16:creationId xmlns:a16="http://schemas.microsoft.com/office/drawing/2014/main" id="{0F082FB7-5240-436E-8C44-6571FE57CA4F}"/>
+              </a:ext>
+            </a:extLst>
+          </p:cNvPr>
+          <p:cNvGraphicFramePr>
+            <a:graphicFrameLocks noGrp="1"/>
+          </p:cNvGraphicFramePr>
+          <p:nvPr>
+            <p:extLst>
+              <p:ext uri="{D42A27DB-BD31-4B8C-83A1-F6EECF244321}">
+                <p14:modId xmlns:p14="http://schemas.microsoft.com/office/powerpoint/2010/main" val="1597991189"/>
+              </p:ext>
+            </p:extLst>
+          </p:nvPr>
+        </p:nvGraphicFramePr>
+        <p:xfrm>
+          <a:off x="1261872" y="1828802"/>
+          <a:ext cx="8595360" cy="2459794"/>
+        </p:xfrm>
+        <a:graphic>
+          <a:graphicData uri="http://schemas.openxmlformats.org/drawingml/2006/table">
+            <a:tbl>
+              <a:tblPr firstRow="1" bandRow="1">
+                <a:tableStyleId>{5C22544A-7EE6-4342-B048-85BDC9FD1C3A}</a:tableStyleId>
+              </a:tblPr>
+              <a:tblGrid>
+                <a:gridCol w="2317594">
+                  <a:extLst>
+                    <a:ext uri="{9D8B030D-6E8A-4147-A177-3AD203B41FA5}">
+                      <a16:colId xmlns:a16="http://schemas.microsoft.com/office/drawing/2014/main" val="961571317"/>
+                    </a:ext>
+                  </a:extLst>
+                </a:gridCol>
+                <a:gridCol w="6277766">
+                  <a:extLst>
+                    <a:ext uri="{9D8B030D-6E8A-4147-A177-3AD203B41FA5}">
+                      <a16:colId xmlns:a16="http://schemas.microsoft.com/office/drawing/2014/main" val="1036650646"/>
+                    </a:ext>
+                  </a:extLst>
+                </a:gridCol>
+              </a:tblGrid>
+              <a:tr h="278407">
+                <a:tc>
+                  <a:txBody>
+                    <a:bodyPr/>
+                    <a:lstStyle/>
+                    <a:p>
+                      <a:r>
+                        <a:rPr lang="pt-BR" sz="1400" dirty="0"/>
+                        <a:t>Chave</a:t>
+                      </a:r>
+                    </a:p>
+                  </a:txBody>
+                  <a:tcPr/>
+                </a:tc>
+                <a:tc>
+                  <a:txBody>
+                    <a:bodyPr/>
+                    <a:lstStyle/>
+                    <a:p>
+                      <a:r>
+                        <a:rPr lang="pt-BR" sz="1400" dirty="0"/>
+                        <a:t>Descrição</a:t>
+                      </a:r>
+                    </a:p>
+                  </a:txBody>
+                  <a:tcPr/>
+                </a:tc>
+                <a:extLst>
+                  <a:ext uri="{0D108BD9-81ED-4DB2-BD59-A6C34878D82A}">
+                    <a16:rowId xmlns:a16="http://schemas.microsoft.com/office/drawing/2014/main" val="225516779"/>
+                  </a:ext>
+                </a:extLst>
+              </a:tr>
+              <a:tr h="905314">
+                <a:tc>
+                  <a:txBody>
+                    <a:bodyPr/>
+                    <a:lstStyle/>
+                    <a:p>
+                      <a:r>
+                        <a:rPr lang="pt-BR" sz="1400" kern="1200" dirty="0" err="1">
+                          <a:solidFill>
+                            <a:schemeClr val="dk1"/>
+                          </a:solidFill>
+                          <a:latin typeface="+mn-lt"/>
+                          <a:ea typeface="+mn-ea"/>
+                          <a:cs typeface="+mn-cs"/>
+                        </a:rPr>
+                        <a:t>bootstrap.servers</a:t>
+                      </a:r>
+                      <a:endParaRPr lang="pt-BR" sz="1400" dirty="0"/>
+                    </a:p>
+                  </a:txBody>
+                  <a:tcPr/>
+                </a:tc>
+                <a:tc>
+                  <a:txBody>
+                    <a:bodyPr/>
+                    <a:lstStyle/>
+                    <a:p>
+                      <a:r>
+                        <a:rPr lang="pt-BR" sz="1400" dirty="0"/>
+                        <a:t>é uma lista separada por vírgula de pares de host e porta que são os endereços dos brokers Kafka em um cluster Kafka "</a:t>
+                      </a:r>
+                      <a:r>
+                        <a:rPr lang="pt-BR" sz="1400" dirty="0" err="1"/>
+                        <a:t>bootstrap</a:t>
+                      </a:r>
+                      <a:r>
+                        <a:rPr lang="pt-BR" sz="1400" dirty="0"/>
+                        <a:t>" ao qual um cliente Kafka se conecta inicialmente para inicializar.</a:t>
+                      </a:r>
+                    </a:p>
+                  </a:txBody>
+                  <a:tcPr/>
+                </a:tc>
+                <a:extLst>
+                  <a:ext uri="{0D108BD9-81ED-4DB2-BD59-A6C34878D82A}">
+                    <a16:rowId xmlns:a16="http://schemas.microsoft.com/office/drawing/2014/main" val="3401454877"/>
+                  </a:ext>
+                </a:extLst>
+              </a:tr>
+              <a:tr h="473291">
+                <a:tc>
+                  <a:txBody>
+                    <a:bodyPr/>
+                    <a:lstStyle/>
+                    <a:p>
+                      <a:r>
+                        <a:rPr lang="pt-BR" sz="1400" kern="1200" dirty="0" err="1">
+                          <a:solidFill>
+                            <a:schemeClr val="dk1"/>
+                          </a:solidFill>
+                          <a:latin typeface="+mn-lt"/>
+                          <a:ea typeface="+mn-ea"/>
+                          <a:cs typeface="+mn-cs"/>
+                        </a:rPr>
+                        <a:t>key.serializer</a:t>
+                      </a:r>
+                      <a:endParaRPr lang="pt-BR" sz="1400" dirty="0"/>
+                    </a:p>
+                  </a:txBody>
+                  <a:tcPr/>
+                </a:tc>
+                <a:tc>
+                  <a:txBody>
+                    <a:bodyPr/>
+                    <a:lstStyle/>
+                    <a:p>
+                      <a:r>
+                        <a:rPr lang="pt-BR" sz="1400" dirty="0"/>
+                        <a:t>Classe para Serializar Chave. Deve implementar </a:t>
+                      </a:r>
+                      <a:r>
+                        <a:rPr lang="pt-BR" sz="1400" kern="1200" dirty="0" err="1">
+                          <a:solidFill>
+                            <a:schemeClr val="dk1"/>
+                          </a:solidFill>
+                          <a:latin typeface="+mn-lt"/>
+                          <a:ea typeface="+mn-ea"/>
+                          <a:cs typeface="+mn-cs"/>
+                        </a:rPr>
+                        <a:t>org.apache.kafka.common.serialization.Serializer</a:t>
+                      </a:r>
+                      <a:endParaRPr lang="pt-BR" sz="1400" dirty="0"/>
+                    </a:p>
+                  </a:txBody>
+                  <a:tcPr/>
+                </a:tc>
+                <a:extLst>
+                  <a:ext uri="{0D108BD9-81ED-4DB2-BD59-A6C34878D82A}">
+                    <a16:rowId xmlns:a16="http://schemas.microsoft.com/office/drawing/2014/main" val="200817017"/>
+                  </a:ext>
+                </a:extLst>
+              </a:tr>
+              <a:tr h="668176">
+                <a:tc>
+                  <a:txBody>
+                    <a:bodyPr/>
+                    <a:lstStyle/>
+                    <a:p>
+                      <a:r>
+                        <a:rPr lang="pt-BR" sz="1400" kern="1200" dirty="0" err="1">
+                          <a:solidFill>
+                            <a:schemeClr val="dk1"/>
+                          </a:solidFill>
+                          <a:latin typeface="+mn-lt"/>
+                          <a:ea typeface="+mn-ea"/>
+                          <a:cs typeface="+mn-cs"/>
+                        </a:rPr>
+                        <a:t>value.serializer</a:t>
+                      </a:r>
+                      <a:endParaRPr lang="pt-BR" sz="1400" dirty="0"/>
+                    </a:p>
+                  </a:txBody>
+                  <a:tcPr/>
+                </a:tc>
+                <a:tc>
+                  <a:txBody>
+                    <a:bodyPr/>
+                    <a:lstStyle/>
+                    <a:p>
+                      <a:pPr marL="0" marR="0" lvl="0" indent="0" algn="l" defTabSz="914400" rtl="0" eaLnBrk="1" fontAlgn="auto" latinLnBrk="0" hangingPunct="1">
+                        <a:lnSpc>
+                          <a:spcPct val="100000"/>
+                        </a:lnSpc>
+                        <a:spcBef>
+                          <a:spcPts val="0"/>
+                        </a:spcBef>
+                        <a:spcAft>
+                          <a:spcPts val="0"/>
+                        </a:spcAft>
+                        <a:buClrTx/>
+                        <a:buSzTx/>
+                        <a:buFontTx/>
+                        <a:buNone/>
+                        <a:tabLst/>
+                        <a:defRPr/>
+                      </a:pPr>
+                      <a:r>
+                        <a:rPr lang="pt-BR" sz="1400" dirty="0"/>
+                        <a:t>Classe para Serializar Valor. Deve implementar </a:t>
+                      </a:r>
+                      <a:r>
+                        <a:rPr lang="pt-BR" sz="1400" kern="1200" dirty="0" err="1">
+                          <a:solidFill>
+                            <a:schemeClr val="dk1"/>
+                          </a:solidFill>
+                          <a:latin typeface="+mn-lt"/>
+                          <a:ea typeface="+mn-ea"/>
+                          <a:cs typeface="+mn-cs"/>
+                        </a:rPr>
+                        <a:t>org.apache.kafka.common.serialization.Serializer</a:t>
+                      </a:r>
+                      <a:endParaRPr lang="pt-BR" sz="1400" dirty="0"/>
+                    </a:p>
+                    <a:p>
+                      <a:endParaRPr lang="pt-BR" sz="1400" dirty="0"/>
+                    </a:p>
+                  </a:txBody>
+                  <a:tcPr/>
+                </a:tc>
+                <a:extLst>
+                  <a:ext uri="{0D108BD9-81ED-4DB2-BD59-A6C34878D82A}">
+                    <a16:rowId xmlns:a16="http://schemas.microsoft.com/office/drawing/2014/main" val="548798658"/>
+                  </a:ext>
+                </a:extLst>
+              </a:tr>
+            </a:tbl>
+          </a:graphicData>
+        </a:graphic>
+      </p:graphicFrame>
+      <p:pic>
+        <p:nvPicPr>
+          <p:cNvPr id="12" name="Imagem 11">
+            <a:extLst>
+              <a:ext uri="{FF2B5EF4-FFF2-40B4-BE49-F238E27FC236}">
+                <a16:creationId xmlns:a16="http://schemas.microsoft.com/office/drawing/2014/main" id="{001792DD-C903-4FBD-9A59-158A0EAD8FEE}"/>
+              </a:ext>
+            </a:extLst>
+          </p:cNvPr>
+          <p:cNvPicPr>
+            <a:picLocks noChangeAspect="1"/>
+          </p:cNvPicPr>
+          <p:nvPr/>
+        </p:nvPicPr>
+        <p:blipFill>
+          <a:blip r:embed="rId2"/>
+          <a:stretch>
+            <a:fillRect/>
+          </a:stretch>
+        </p:blipFill>
+        <p:spPr>
+          <a:xfrm>
+            <a:off x="1898468" y="4288596"/>
+            <a:ext cx="6705600" cy="1933575"/>
+          </a:xfrm>
+          <a:prstGeom prst="rect">
+            <a:avLst/>
+          </a:prstGeom>
+        </p:spPr>
+      </p:pic>
+    </p:spTree>
+    <p:extLst>
+      <p:ext uri="{BB962C8B-B14F-4D97-AF65-F5344CB8AC3E}">
+        <p14:creationId xmlns:p14="http://schemas.microsoft.com/office/powerpoint/2010/main" val="2330051080"/>
+      </p:ext>
+    </p:extLst>
+  </p:cSld>
+  <p:clrMapOvr>
+    <a:masterClrMapping/>
+  </p:clrMapOvr>
+</p:sld>
+</file>
+
+<file path=ppt/slides/slide28.xml><?xml version="1.0" encoding="utf-8"?>
+<p:sld xmlns:a="http://schemas.openxmlformats.org/drawingml/2006/main" xmlns:r="http://schemas.openxmlformats.org/officeDocument/2006/relationships" xmlns:p="http://schemas.openxmlformats.org/presentationml/2006/main">
+  <p:cSld>
+    <p:spTree>
+      <p:nvGrpSpPr>
+        <p:cNvPr id="1" name=""/>
+        <p:cNvGrpSpPr/>
+        <p:nvPr/>
+      </p:nvGrpSpPr>
+      <p:grpSpPr>
+        <a:xfrm>
+          <a:off x="0" y="0"/>
+          <a:ext cx="0" cy="0"/>
+          <a:chOff x="0" y="0"/>
+          <a:chExt cx="0" cy="0"/>
+        </a:xfrm>
+      </p:grpSpPr>
+      <p:sp>
+        <p:nvSpPr>
+          <p:cNvPr id="2" name="Título 1">
+            <a:extLst>
+              <a:ext uri="{FF2B5EF4-FFF2-40B4-BE49-F238E27FC236}">
+                <a16:creationId xmlns:a16="http://schemas.microsoft.com/office/drawing/2014/main" id="{2319653A-71BE-43E4-A8FD-58E1FBE89641}"/>
+              </a:ext>
+            </a:extLst>
+          </p:cNvPr>
+          <p:cNvSpPr>
+            <a:spLocks noGrp="1"/>
+          </p:cNvSpPr>
+          <p:nvPr>
+            <p:ph type="title"/>
+          </p:nvPr>
+        </p:nvSpPr>
+        <p:spPr/>
+        <p:txBody>
+          <a:bodyPr/>
+          <a:lstStyle/>
+          <a:p>
+            <a:r>
+              <a:rPr lang="pt-BR" dirty="0"/>
+              <a:t>Criando </a:t>
+            </a:r>
+            <a:r>
+              <a:rPr lang="pt-BR" dirty="0" err="1"/>
+              <a:t>Consumer</a:t>
+            </a:r>
+            <a:endParaRPr lang="pt-BR" dirty="0"/>
+          </a:p>
+        </p:txBody>
+      </p:sp>
+      <p:sp>
+        <p:nvSpPr>
+          <p:cNvPr id="5" name="Espaço Reservado para Conteúdo 4">
+            <a:extLst>
+              <a:ext uri="{FF2B5EF4-FFF2-40B4-BE49-F238E27FC236}">
+                <a16:creationId xmlns:a16="http://schemas.microsoft.com/office/drawing/2014/main" id="{A0CDE2D2-7B07-45E4-A350-3B78648AD718}"/>
+              </a:ext>
+            </a:extLst>
+          </p:cNvPr>
+          <p:cNvSpPr>
+            <a:spLocks noGrp="1"/>
+          </p:cNvSpPr>
+          <p:nvPr>
+            <p:ph sz="half" idx="1"/>
+          </p:nvPr>
+        </p:nvSpPr>
+        <p:spPr/>
+        <p:txBody>
+          <a:bodyPr/>
+          <a:lstStyle/>
+          <a:p>
+            <a:endParaRPr lang="pt-BR" dirty="0"/>
+          </a:p>
+        </p:txBody>
+      </p:sp>
+      <p:sp>
+        <p:nvSpPr>
+          <p:cNvPr id="6" name="Espaço Reservado para Conteúdo 5">
+            <a:extLst>
+              <a:ext uri="{FF2B5EF4-FFF2-40B4-BE49-F238E27FC236}">
+                <a16:creationId xmlns:a16="http://schemas.microsoft.com/office/drawing/2014/main" id="{ECD658C2-2256-4F2A-A3A5-EDA77B818E2B}"/>
+              </a:ext>
+            </a:extLst>
+          </p:cNvPr>
+          <p:cNvSpPr>
+            <a:spLocks noGrp="1"/>
+          </p:cNvSpPr>
+          <p:nvPr>
+            <p:ph sz="half" idx="2"/>
+          </p:nvPr>
+        </p:nvSpPr>
+        <p:spPr/>
+        <p:txBody>
+          <a:bodyPr/>
+          <a:lstStyle/>
+          <a:p>
+            <a:endParaRPr lang="pt-BR"/>
+          </a:p>
+        </p:txBody>
+      </p:sp>
+      <p:graphicFrame>
+        <p:nvGraphicFramePr>
+          <p:cNvPr id="10" name="Tabela 10">
+            <a:extLst>
+              <a:ext uri="{FF2B5EF4-FFF2-40B4-BE49-F238E27FC236}">
+                <a16:creationId xmlns:a16="http://schemas.microsoft.com/office/drawing/2014/main" id="{0F082FB7-5240-436E-8C44-6571FE57CA4F}"/>
+              </a:ext>
+            </a:extLst>
+          </p:cNvPr>
+          <p:cNvGraphicFramePr>
+            <a:graphicFrameLocks noGrp="1"/>
+          </p:cNvGraphicFramePr>
+          <p:nvPr>
+            <p:extLst>
+              <p:ext uri="{D42A27DB-BD31-4B8C-83A1-F6EECF244321}">
+                <p14:modId xmlns:p14="http://schemas.microsoft.com/office/powerpoint/2010/main" val="3936098232"/>
+              </p:ext>
+            </p:extLst>
+          </p:nvPr>
+        </p:nvGraphicFramePr>
+        <p:xfrm>
+          <a:off x="1261872" y="1828803"/>
+          <a:ext cx="9345168" cy="2457542"/>
+        </p:xfrm>
+        <a:graphic>
+          <a:graphicData uri="http://schemas.openxmlformats.org/drawingml/2006/table">
+            <a:tbl>
+              <a:tblPr firstRow="1" bandRow="1">
+                <a:tableStyleId>{5C22544A-7EE6-4342-B048-85BDC9FD1C3A}</a:tableStyleId>
+              </a:tblPr>
+              <a:tblGrid>
+                <a:gridCol w="1941939">
+                  <a:extLst>
+                    <a:ext uri="{9D8B030D-6E8A-4147-A177-3AD203B41FA5}">
+                      <a16:colId xmlns:a16="http://schemas.microsoft.com/office/drawing/2014/main" val="961571317"/>
+                    </a:ext>
+                  </a:extLst>
+                </a:gridCol>
+                <a:gridCol w="7403229">
+                  <a:extLst>
+                    <a:ext uri="{9D8B030D-6E8A-4147-A177-3AD203B41FA5}">
+                      <a16:colId xmlns:a16="http://schemas.microsoft.com/office/drawing/2014/main" val="1036650646"/>
+                    </a:ext>
+                  </a:extLst>
+                </a:gridCol>
+              </a:tblGrid>
+              <a:tr h="270310">
+                <a:tc>
+                  <a:txBody>
+                    <a:bodyPr/>
+                    <a:lstStyle/>
+                    <a:p>
+                      <a:r>
+                        <a:rPr lang="pt-BR" sz="1400" dirty="0"/>
+                        <a:t>Chave</a:t>
+                      </a:r>
+                    </a:p>
+                  </a:txBody>
+                  <a:tcPr/>
+                </a:tc>
+                <a:tc>
+                  <a:txBody>
+                    <a:bodyPr/>
+                    <a:lstStyle/>
+                    <a:p>
+                      <a:r>
+                        <a:rPr lang="pt-BR" sz="1400" dirty="0"/>
+                        <a:t>Descrição</a:t>
+                      </a:r>
+                    </a:p>
+                  </a:txBody>
+                  <a:tcPr/>
+                </a:tc>
+                <a:extLst>
+                  <a:ext uri="{0D108BD9-81ED-4DB2-BD59-A6C34878D82A}">
+                    <a16:rowId xmlns:a16="http://schemas.microsoft.com/office/drawing/2014/main" val="225516779"/>
+                  </a:ext>
+                </a:extLst>
+              </a:tr>
+              <a:tr h="648744">
+                <a:tc>
+                  <a:txBody>
+                    <a:bodyPr/>
+                    <a:lstStyle/>
+                    <a:p>
+                      <a:r>
+                        <a:rPr lang="pt-BR" sz="1400" kern="1200" dirty="0" err="1">
+                          <a:solidFill>
+                            <a:schemeClr val="dk1"/>
+                          </a:solidFill>
+                          <a:latin typeface="+mn-lt"/>
+                          <a:ea typeface="+mn-ea"/>
+                          <a:cs typeface="+mn-cs"/>
+                        </a:rPr>
+                        <a:t>bootstrap.servers</a:t>
+                      </a:r>
+                      <a:endParaRPr lang="pt-BR" sz="1400" dirty="0"/>
+                    </a:p>
+                  </a:txBody>
+                  <a:tcPr/>
+                </a:tc>
+                <a:tc>
+                  <a:txBody>
+                    <a:bodyPr/>
+                    <a:lstStyle/>
+                    <a:p>
+                      <a:r>
+                        <a:rPr lang="pt-BR" sz="1400" dirty="0"/>
+                        <a:t>é uma lista separada por vírgula de pares de host e porta que são os endereços dos brokers Kafka em um cluster Kafka "</a:t>
+                      </a:r>
+                      <a:r>
+                        <a:rPr lang="pt-BR" sz="1400" dirty="0" err="1"/>
+                        <a:t>bootstrap</a:t>
+                      </a:r>
+                      <a:r>
+                        <a:rPr lang="pt-BR" sz="1400" dirty="0"/>
+                        <a:t>" ao qual um cliente Kafka se conecta inicialmente para inicializar.</a:t>
+                      </a:r>
+                    </a:p>
+                  </a:txBody>
+                  <a:tcPr/>
+                </a:tc>
+                <a:extLst>
+                  <a:ext uri="{0D108BD9-81ED-4DB2-BD59-A6C34878D82A}">
+                    <a16:rowId xmlns:a16="http://schemas.microsoft.com/office/drawing/2014/main" val="3401454877"/>
+                  </a:ext>
+                </a:extLst>
+              </a:tr>
+              <a:tr h="459527">
+                <a:tc>
+                  <a:txBody>
+                    <a:bodyPr/>
+                    <a:lstStyle/>
+                    <a:p>
+                      <a:r>
+                        <a:rPr lang="pt-BR" sz="1400" dirty="0"/>
+                        <a:t>group.id</a:t>
+                      </a:r>
+                    </a:p>
+                  </a:txBody>
+                  <a:tcPr/>
+                </a:tc>
+                <a:tc>
+                  <a:txBody>
+                    <a:bodyPr/>
+                    <a:lstStyle/>
+                    <a:p>
+                      <a:r>
+                        <a:rPr lang="pt-BR" sz="1400" dirty="0"/>
+                        <a:t>Identificador que associa esse </a:t>
+                      </a:r>
+                      <a:r>
+                        <a:rPr lang="pt-BR" sz="1400" dirty="0" err="1"/>
+                        <a:t>consumer</a:t>
+                      </a:r>
+                      <a:r>
+                        <a:rPr lang="pt-BR" sz="1400" dirty="0"/>
+                        <a:t> a um grupo. Esse valor é extremamente importante para o gerenciamento das mensagens recebidas.</a:t>
+                      </a:r>
+                    </a:p>
+                  </a:txBody>
+                  <a:tcPr/>
+                </a:tc>
+                <a:extLst>
+                  <a:ext uri="{0D108BD9-81ED-4DB2-BD59-A6C34878D82A}">
+                    <a16:rowId xmlns:a16="http://schemas.microsoft.com/office/drawing/2014/main" val="2829394092"/>
+                  </a:ext>
+                </a:extLst>
+              </a:tr>
+              <a:tr h="374440">
+                <a:tc>
+                  <a:txBody>
+                    <a:bodyPr/>
+                    <a:lstStyle/>
+                    <a:p>
+                      <a:r>
+                        <a:rPr lang="pt-BR" sz="1400" kern="1200" dirty="0" err="1">
+                          <a:solidFill>
+                            <a:schemeClr val="dk1"/>
+                          </a:solidFill>
+                          <a:latin typeface="+mn-lt"/>
+                          <a:ea typeface="+mn-ea"/>
+                          <a:cs typeface="+mn-cs"/>
+                        </a:rPr>
+                        <a:t>key.deserializer</a:t>
+                      </a:r>
+                      <a:endParaRPr lang="pt-BR" sz="1400" dirty="0"/>
+                    </a:p>
+                  </a:txBody>
+                  <a:tcPr/>
+                </a:tc>
+                <a:tc>
+                  <a:txBody>
+                    <a:bodyPr/>
+                    <a:lstStyle/>
+                    <a:p>
+                      <a:r>
+                        <a:rPr lang="pt-BR" sz="1400" dirty="0"/>
+                        <a:t>Classe para Serializar Chave. Deve implementar </a:t>
+                      </a:r>
+                      <a:r>
+                        <a:rPr lang="pt-BR" sz="1000" kern="1200" dirty="0" err="1">
+                          <a:solidFill>
+                            <a:schemeClr val="dk1"/>
+                          </a:solidFill>
+                          <a:latin typeface="+mn-lt"/>
+                          <a:ea typeface="+mn-ea"/>
+                          <a:cs typeface="+mn-cs"/>
+                        </a:rPr>
+                        <a:t>org.apache.kafka.common.serialization.Deserializer</a:t>
+                      </a:r>
+                      <a:endParaRPr lang="pt-BR" sz="1400" dirty="0"/>
+                    </a:p>
+                  </a:txBody>
+                  <a:tcPr/>
+                </a:tc>
+                <a:extLst>
+                  <a:ext uri="{0D108BD9-81ED-4DB2-BD59-A6C34878D82A}">
+                    <a16:rowId xmlns:a16="http://schemas.microsoft.com/office/drawing/2014/main" val="200817017"/>
+                  </a:ext>
+                </a:extLst>
+              </a:tr>
+              <a:tr h="528622">
+                <a:tc>
+                  <a:txBody>
+                    <a:bodyPr/>
+                    <a:lstStyle/>
+                    <a:p>
+                      <a:r>
+                        <a:rPr lang="pt-BR" sz="1400" kern="1200" dirty="0" err="1">
+                          <a:solidFill>
+                            <a:schemeClr val="dk1"/>
+                          </a:solidFill>
+                          <a:latin typeface="+mn-lt"/>
+                          <a:ea typeface="+mn-ea"/>
+                          <a:cs typeface="+mn-cs"/>
+                        </a:rPr>
+                        <a:t>value.deserializer</a:t>
+                      </a:r>
+                      <a:endParaRPr lang="pt-BR" sz="1400" dirty="0"/>
+                    </a:p>
+                  </a:txBody>
+                  <a:tcPr/>
+                </a:tc>
+                <a:tc>
+                  <a:txBody>
+                    <a:bodyPr/>
+                    <a:lstStyle/>
+                    <a:p>
+                      <a:pPr marL="0" marR="0" lvl="0" indent="0" algn="l" defTabSz="914400" rtl="0" eaLnBrk="1" fontAlgn="auto" latinLnBrk="0" hangingPunct="1">
+                        <a:lnSpc>
+                          <a:spcPct val="100000"/>
+                        </a:lnSpc>
+                        <a:spcBef>
+                          <a:spcPts val="0"/>
+                        </a:spcBef>
+                        <a:spcAft>
+                          <a:spcPts val="0"/>
+                        </a:spcAft>
+                        <a:buClrTx/>
+                        <a:buSzTx/>
+                        <a:buFontTx/>
+                        <a:buNone/>
+                        <a:tabLst/>
+                        <a:defRPr/>
+                      </a:pPr>
+                      <a:r>
+                        <a:rPr lang="pt-BR" sz="1400" dirty="0"/>
+                        <a:t>Classe para Serializar Valor. Deve implementar </a:t>
+                      </a:r>
+                      <a:r>
+                        <a:rPr lang="pt-BR" sz="1050" kern="1200" dirty="0" err="1">
+                          <a:solidFill>
+                            <a:schemeClr val="dk1"/>
+                          </a:solidFill>
+                          <a:latin typeface="+mn-lt"/>
+                          <a:ea typeface="+mn-ea"/>
+                          <a:cs typeface="+mn-cs"/>
+                        </a:rPr>
+                        <a:t>org.apache.kafka.common.serialization.Deserializer</a:t>
+                      </a:r>
+                      <a:endParaRPr lang="pt-BR" sz="1050" dirty="0"/>
+                    </a:p>
+                    <a:p>
+                      <a:endParaRPr lang="pt-BR" sz="1400" dirty="0"/>
+                    </a:p>
+                  </a:txBody>
+                  <a:tcPr/>
+                </a:tc>
+                <a:extLst>
+                  <a:ext uri="{0D108BD9-81ED-4DB2-BD59-A6C34878D82A}">
+                    <a16:rowId xmlns:a16="http://schemas.microsoft.com/office/drawing/2014/main" val="548798658"/>
+                  </a:ext>
+                </a:extLst>
+              </a:tr>
+            </a:tbl>
+          </a:graphicData>
+        </a:graphic>
+      </p:graphicFrame>
+      <p:pic>
+        <p:nvPicPr>
+          <p:cNvPr id="4" name="Imagem 3">
+            <a:extLst>
+              <a:ext uri="{FF2B5EF4-FFF2-40B4-BE49-F238E27FC236}">
+                <a16:creationId xmlns:a16="http://schemas.microsoft.com/office/drawing/2014/main" id="{408E2C1E-4961-45BD-A70B-D8714CF34F05}"/>
+              </a:ext>
+            </a:extLst>
+          </p:cNvPr>
+          <p:cNvPicPr>
+            <a:picLocks noChangeAspect="1"/>
+          </p:cNvPicPr>
+          <p:nvPr/>
+        </p:nvPicPr>
+        <p:blipFill>
+          <a:blip r:embed="rId2"/>
+          <a:stretch>
+            <a:fillRect/>
+          </a:stretch>
+        </p:blipFill>
+        <p:spPr>
+          <a:xfrm>
+            <a:off x="2407131" y="4286345"/>
+            <a:ext cx="6958856" cy="3108174"/>
+          </a:xfrm>
+          <a:prstGeom prst="rect">
+            <a:avLst/>
+          </a:prstGeom>
+        </p:spPr>
+      </p:pic>
+    </p:spTree>
+    <p:extLst>
+      <p:ext uri="{BB962C8B-B14F-4D97-AF65-F5344CB8AC3E}">
+        <p14:creationId xmlns:p14="http://schemas.microsoft.com/office/powerpoint/2010/main" val="3453571222"/>
+      </p:ext>
+    </p:extLst>
+  </p:cSld>
+  <p:clrMapOvr>
+    <a:masterClrMapping/>
+  </p:clrMapOvr>
+</p:sld>
+</file>
+
+<file path=ppt/slides/slide29.xml><?xml version="1.0" encoding="utf-8"?>
+<p:sld xmlns:a="http://schemas.openxmlformats.org/drawingml/2006/main" xmlns:r="http://schemas.openxmlformats.org/officeDocument/2006/relationships" xmlns:p="http://schemas.openxmlformats.org/presentationml/2006/main">
+  <p:cSld>
+    <p:bg>
+      <p:bgPr>
+        <a:solidFill>
+          <a:schemeClr val="bg1"/>
+        </a:solidFill>
+        <a:effectLst/>
+      </p:bgPr>
+    </p:bg>
+    <p:spTree>
+      <p:nvGrpSpPr>
+        <p:cNvPr id="1" name=""/>
+        <p:cNvGrpSpPr/>
+        <p:nvPr/>
+      </p:nvGrpSpPr>
+      <p:grpSpPr>
+        <a:xfrm>
+          <a:off x="0" y="0"/>
+          <a:ext cx="0" cy="0"/>
+          <a:chOff x="0" y="0"/>
+          <a:chExt cx="0" cy="0"/>
+        </a:xfrm>
+      </p:grpSpPr>
+      <p:sp useBgFill="1">
+        <p:nvSpPr>
+          <p:cNvPr id="13" name="Rectangle 12">
+            <a:extLst>
+              <a:ext uri="{FF2B5EF4-FFF2-40B4-BE49-F238E27FC236}">
+                <a16:creationId xmlns:a16="http://schemas.microsoft.com/office/drawing/2014/main" id="{D0CDF5D3-7220-42A0-9D37-ECF3BF283B37}"/>
+              </a:ext>
+              <a:ext uri="{C183D7F6-B498-43B3-948B-1728B52AA6E4}">
+                <adec:decorative xmlns:adec="http://schemas.microsoft.com/office/drawing/2017/decorative" val="1"/>
+              </a:ext>
+            </a:extLst>
+          </p:cNvPr>
+          <p:cNvSpPr>
+            <a:spLocks noGrp="1" noRot="1" noChangeAspect="1" noMove="1" noResize="1" noEditPoints="1" noAdjustHandles="1" noChangeArrowheads="1" noChangeShapeType="1" noTextEdit="1"/>
+          </p:cNvSpPr>
+          <p:nvPr>
+            <p:extLst>
+              <p:ext uri="{386F3935-93C4-4BCD-93E2-E3B085C9AB24}">
+                <p16:designElem xmlns:p16="http://schemas.microsoft.com/office/powerpoint/2015/main" val="1"/>
+              </p:ext>
+            </p:extLst>
+          </p:nvPr>
+        </p:nvSpPr>
+        <p:spPr>
+          <a:xfrm>
+            <a:off x="457200" y="0"/>
+            <a:ext cx="10835640" cy="5105400"/>
+          </a:xfrm>
+          <a:prstGeom prst="rect">
+            <a:avLst/>
+          </a:prstGeom>
+          <a:ln>
+            <a:noFill/>
+          </a:ln>
+        </p:spPr>
+        <p:style>
+          <a:lnRef idx="2">
+            <a:schemeClr val="accent1">
+              <a:shade val="50000"/>
+            </a:schemeClr>
+          </a:lnRef>
+          <a:fillRef idx="1">
+            <a:schemeClr val="accent1"/>
+          </a:fillRef>
+          <a:effectRef idx="0">
+            <a:schemeClr val="accent1"/>
+          </a:effectRef>
+          <a:fontRef idx="minor">
+            <a:schemeClr val="lt1"/>
+          </a:fontRef>
+        </p:style>
+      </p:sp>
+      <p:sp>
+        <p:nvSpPr>
+          <p:cNvPr id="15" name="Rectangle 14">
+            <a:extLst>
+              <a:ext uri="{FF2B5EF4-FFF2-40B4-BE49-F238E27FC236}">
+                <a16:creationId xmlns:a16="http://schemas.microsoft.com/office/drawing/2014/main" id="{64BC717F-58B3-4A4E-BC3B-1B11323AD5C9}"/>
+              </a:ext>
+              <a:ext uri="{C183D7F6-B498-43B3-948B-1728B52AA6E4}">
+                <adec:decorative xmlns:adec="http://schemas.microsoft.com/office/drawing/2017/decorative" val="1"/>
+              </a:ext>
+            </a:extLst>
+          </p:cNvPr>
+          <p:cNvSpPr>
+            <a:spLocks noGrp="1" noRot="1" noChangeAspect="1" noMove="1" noResize="1" noEditPoints="1" noAdjustHandles="1" noChangeArrowheads="1" noChangeShapeType="1" noTextEdit="1"/>
+          </p:cNvSpPr>
+          <p:nvPr>
+            <p:extLst>
+              <p:ext uri="{386F3935-93C4-4BCD-93E2-E3B085C9AB24}">
+                <p16:designElem xmlns:p16="http://schemas.microsoft.com/office/powerpoint/2015/main" val="1"/>
+              </p:ext>
+            </p:extLst>
+          </p:nvPr>
+        </p:nvSpPr>
+        <p:spPr>
+          <a:xfrm>
+            <a:off x="457200" y="5105400"/>
+            <a:ext cx="10835640" cy="1752600"/>
+          </a:xfrm>
+          <a:prstGeom prst="rect">
+            <a:avLst/>
+          </a:prstGeom>
+          <a:solidFill>
+            <a:srgbClr val="353537"/>
+          </a:solidFill>
+          <a:ln>
+            <a:noFill/>
+          </a:ln>
+        </p:spPr>
+        <p:style>
+          <a:lnRef idx="2">
+            <a:schemeClr val="accent1">
+              <a:shade val="50000"/>
+            </a:schemeClr>
+          </a:lnRef>
+          <a:fillRef idx="1">
+            <a:schemeClr val="accent1"/>
+          </a:fillRef>
+          <a:effectRef idx="0">
+            <a:schemeClr val="accent1"/>
+          </a:effectRef>
+          <a:fontRef idx="minor">
+            <a:schemeClr val="lt1"/>
+          </a:fontRef>
+        </p:style>
+      </p:sp>
+      <p:sp>
+        <p:nvSpPr>
+          <p:cNvPr id="5" name="Título 4">
+            <a:extLst>
+              <a:ext uri="{FF2B5EF4-FFF2-40B4-BE49-F238E27FC236}">
+                <a16:creationId xmlns:a16="http://schemas.microsoft.com/office/drawing/2014/main" id="{AF306F97-E05A-442B-9C67-AA35C49E0B95}"/>
+              </a:ext>
+            </a:extLst>
+          </p:cNvPr>
+          <p:cNvSpPr>
+            <a:spLocks noGrp="1"/>
+          </p:cNvSpPr>
+          <p:nvPr>
+            <p:ph type="ctrTitle"/>
+          </p:nvPr>
+        </p:nvSpPr>
+        <p:spPr>
+          <a:xfrm>
+            <a:off x="944183" y="5181600"/>
+            <a:ext cx="10156435" cy="1076324"/>
+          </a:xfrm>
+        </p:spPr>
+        <p:txBody>
+          <a:bodyPr>
+            <a:normAutofit/>
+          </a:bodyPr>
+          <a:lstStyle/>
+          <a:p>
+            <a:r>
+              <a:rPr lang="pt-BR" sz="5400">
+                <a:solidFill>
+                  <a:srgbClr val="FFFFFF"/>
+                </a:solidFill>
+              </a:rPr>
+              <a:t>Usando Kafka no Quarkus</a:t>
+            </a:r>
+          </a:p>
+        </p:txBody>
+      </p:sp>
+      <p:sp>
+        <p:nvSpPr>
+          <p:cNvPr id="6" name="Subtítulo 5">
+            <a:extLst>
+              <a:ext uri="{FF2B5EF4-FFF2-40B4-BE49-F238E27FC236}">
+                <a16:creationId xmlns:a16="http://schemas.microsoft.com/office/drawing/2014/main" id="{BC3948DD-9AC1-4016-A044-6D69F33FF193}"/>
+              </a:ext>
+            </a:extLst>
+          </p:cNvPr>
+          <p:cNvSpPr>
+            <a:spLocks noGrp="1"/>
+          </p:cNvSpPr>
+          <p:nvPr>
+            <p:ph type="subTitle" idx="1"/>
+          </p:nvPr>
+        </p:nvSpPr>
+        <p:spPr>
+          <a:xfrm>
+            <a:off x="944182" y="6229349"/>
+            <a:ext cx="9747821" cy="536576"/>
+          </a:xfrm>
+        </p:spPr>
+        <p:txBody>
+          <a:bodyPr>
+            <a:normAutofit/>
+          </a:bodyPr>
+          <a:lstStyle/>
+          <a:p>
+            <a:endParaRPr lang="pt-BR" sz="1600">
+              <a:solidFill>
+                <a:srgbClr val="BFBFBF"/>
+              </a:solidFill>
+            </a:endParaRPr>
+          </a:p>
+        </p:txBody>
+      </p:sp>
+      <p:sp>
+        <p:nvSpPr>
+          <p:cNvPr id="17" name="Rectangle 16">
+            <a:extLst>
+              <a:ext uri="{FF2B5EF4-FFF2-40B4-BE49-F238E27FC236}">
+                <a16:creationId xmlns:a16="http://schemas.microsoft.com/office/drawing/2014/main" id="{1EE75710-64C5-4CA8-8A7C-82EE4125C90D}"/>
+              </a:ext>
+              <a:ext uri="{C183D7F6-B498-43B3-948B-1728B52AA6E4}">
+                <adec:decorative xmlns:adec="http://schemas.microsoft.com/office/drawing/2017/decorative" val="1"/>
+              </a:ext>
+            </a:extLst>
+          </p:cNvPr>
+          <p:cNvSpPr>
+            <a:spLocks noGrp="1" noRot="1" noChangeAspect="1" noMove="1" noResize="1" noEditPoints="1" noAdjustHandles="1" noChangeArrowheads="1" noChangeShapeType="1" noTextEdit="1"/>
+          </p:cNvSpPr>
+          <p:nvPr>
+            <p:extLst>
+              <p:ext uri="{386F3935-93C4-4BCD-93E2-E3B085C9AB24}">
+                <p16:designElem xmlns:p16="http://schemas.microsoft.com/office/powerpoint/2015/main" val="1"/>
+              </p:ext>
+            </p:extLst>
+          </p:nvPr>
+        </p:nvSpPr>
+        <p:spPr>
+          <a:xfrm>
+            <a:off x="0" y="0"/>
+            <a:ext cx="457200" cy="6858000"/>
+          </a:xfrm>
+          <a:prstGeom prst="rect">
+            <a:avLst/>
+          </a:prstGeom>
+          <a:solidFill>
+            <a:srgbClr val="6F6F74"/>
+          </a:solidFill>
+          <a:ln>
+            <a:noFill/>
+          </a:ln>
+        </p:spPr>
+        <p:style>
+          <a:lnRef idx="2">
+            <a:schemeClr val="accent1">
+              <a:shade val="50000"/>
+            </a:schemeClr>
+          </a:lnRef>
+          <a:fillRef idx="1">
+            <a:schemeClr val="accent1"/>
+          </a:fillRef>
+          <a:effectRef idx="0">
+            <a:schemeClr val="accent1"/>
+          </a:effectRef>
+          <a:fontRef idx="minor">
+            <a:schemeClr val="lt1"/>
+          </a:fontRef>
+        </p:style>
+        <p:txBody>
+          <a:bodyPr rtlCol="0" anchor="ctr"/>
+          <a:lstStyle/>
+          <a:p>
+            <a:pPr algn="ctr"/>
+            <a:endParaRPr lang="en-US"/>
+          </a:p>
+        </p:txBody>
+      </p:sp>
+      <p:pic>
+        <p:nvPicPr>
+          <p:cNvPr id="8" name="Imagem 7" descr="Uma imagem contendo ao ar livre, placa, pare, escuro&#10;&#10;Descrição gerada automaticamente">
+            <a:extLst>
+              <a:ext uri="{FF2B5EF4-FFF2-40B4-BE49-F238E27FC236}">
+                <a16:creationId xmlns:a16="http://schemas.microsoft.com/office/drawing/2014/main" id="{07B78CDE-D378-422E-9520-15931ED15502}"/>
+              </a:ext>
+            </a:extLst>
+          </p:cNvPr>
+          <p:cNvPicPr>
+            <a:picLocks noChangeAspect="1"/>
+          </p:cNvPicPr>
+          <p:nvPr/>
+        </p:nvPicPr>
+        <p:blipFill>
+          <a:blip r:embed="rId2"/>
+          <a:stretch>
+            <a:fillRect/>
+          </a:stretch>
+        </p:blipFill>
+        <p:spPr>
+          <a:xfrm>
+            <a:off x="1097280" y="1821103"/>
+            <a:ext cx="9594723" cy="1463196"/>
+          </a:xfrm>
+          <a:prstGeom prst="rect">
+            <a:avLst/>
+          </a:prstGeom>
+        </p:spPr>
+      </p:pic>
+      <p:sp>
+        <p:nvSpPr>
+          <p:cNvPr id="19" name="Rectangle 18">
+            <a:extLst>
+              <a:ext uri="{FF2B5EF4-FFF2-40B4-BE49-F238E27FC236}">
+                <a16:creationId xmlns:a16="http://schemas.microsoft.com/office/drawing/2014/main" id="{435050B1-74E1-4A81-923D-0F5971A3BC01}"/>
+              </a:ext>
+              <a:ext uri="{C183D7F6-B498-43B3-948B-1728B52AA6E4}">
+                <adec:decorative xmlns:adec="http://schemas.microsoft.com/office/drawing/2017/decorative" val="1"/>
+              </a:ext>
+            </a:extLst>
+          </p:cNvPr>
+          <p:cNvSpPr>
+            <a:spLocks noGrp="1" noRot="1" noChangeAspect="1" noMove="1" noResize="1" noEditPoints="1" noAdjustHandles="1" noChangeArrowheads="1" noChangeShapeType="1" noTextEdit="1"/>
+          </p:cNvSpPr>
+          <p:nvPr>
+            <p:extLst>
+              <p:ext uri="{386F3935-93C4-4BCD-93E2-E3B085C9AB24}">
+                <p16:designElem xmlns:p16="http://schemas.microsoft.com/office/powerpoint/2015/main" val="1"/>
+              </p:ext>
+            </p:extLst>
+          </p:nvPr>
+        </p:nvSpPr>
+        <p:spPr>
+          <a:xfrm>
+            <a:off x="11292840" y="0"/>
+            <a:ext cx="899160" cy="6858000"/>
+          </a:xfrm>
+          <a:prstGeom prst="rect">
+            <a:avLst/>
+          </a:prstGeom>
+          <a:solidFill>
+            <a:srgbClr val="353537"/>
+          </a:solidFill>
+          <a:ln>
+            <a:noFill/>
+          </a:ln>
+        </p:spPr>
+        <p:style>
+          <a:lnRef idx="2">
+            <a:schemeClr val="accent1">
+              <a:shade val="50000"/>
+            </a:schemeClr>
+          </a:lnRef>
+          <a:fillRef idx="1">
+            <a:schemeClr val="accent1"/>
+          </a:fillRef>
+          <a:effectRef idx="0">
+            <a:schemeClr val="accent1"/>
+          </a:effectRef>
+          <a:fontRef idx="minor">
+            <a:schemeClr val="lt1"/>
+          </a:fontRef>
+        </p:style>
+        <p:txBody>
+          <a:bodyPr rtlCol="0" anchor="ctr"/>
+          <a:lstStyle/>
+          <a:p>
+            <a:pPr algn="ctr"/>
+            <a:endParaRPr lang="en-US"/>
+          </a:p>
+        </p:txBody>
+      </p:sp>
+    </p:spTree>
+    <p:extLst>
+      <p:ext uri="{BB962C8B-B14F-4D97-AF65-F5344CB8AC3E}">
+        <p14:creationId xmlns:p14="http://schemas.microsoft.com/office/powerpoint/2010/main" val="2784278070"/>
+      </p:ext>
+    </p:extLst>
+  </p:cSld>
+  <p:clrMapOvr>
+    <a:overrideClrMapping bg1="lt1" tx1="dk1" bg2="lt2" tx2="dk2" accent1="accent1" accent2="accent2" accent3="accent3" accent4="accent4" accent5="accent5" accent6="accent6" hlink="hlink" folHlink="folHlink"/>
+  </p:clrMapOvr>
+</p:sld>
+</file>
+
+<file path=ppt/slides/slide3.xml><?xml version="1.0" encoding="utf-8"?>
+<p:sld xmlns:a="http://schemas.openxmlformats.org/drawingml/2006/main" xmlns:r="http://schemas.openxmlformats.org/officeDocument/2006/relationships" xmlns:p="http://schemas.openxmlformats.org/presentationml/2006/main">
+  <p:cSld>
+    <p:spTree>
+      <p:nvGrpSpPr>
+        <p:cNvPr id="1" name=""/>
+        <p:cNvGrpSpPr/>
+        <p:nvPr/>
+      </p:nvGrpSpPr>
+      <p:grpSpPr>
+        <a:xfrm>
+          <a:off x="0" y="0"/>
+          <a:ext cx="0" cy="0"/>
+          <a:chOff x="0" y="0"/>
+          <a:chExt cx="0" cy="0"/>
+        </a:xfrm>
+      </p:grpSpPr>
+      <p:sp>
+        <p:nvSpPr>
+          <p:cNvPr id="2" name="Título 1">
+            <a:extLst>
+              <a:ext uri="{FF2B5EF4-FFF2-40B4-BE49-F238E27FC236}">
+                <a16:creationId xmlns:a16="http://schemas.microsoft.com/office/drawing/2014/main" id="{EB630F08-6B46-4C64-8B9C-76370181E77C}"/>
+              </a:ext>
+            </a:extLst>
+          </p:cNvPr>
+          <p:cNvSpPr>
+            <a:spLocks noGrp="1"/>
+          </p:cNvSpPr>
+          <p:nvPr>
+            <p:ph type="title"/>
+          </p:nvPr>
+        </p:nvSpPr>
+        <p:spPr/>
+        <p:txBody>
+          <a:bodyPr/>
+          <a:lstStyle/>
+          <a:p>
+            <a:r>
+              <a:rPr lang="pt-BR" dirty="0"/>
+              <a:t>Agenda</a:t>
+            </a:r>
+          </a:p>
+        </p:txBody>
+      </p:sp>
+      <p:sp>
+        <p:nvSpPr>
+          <p:cNvPr id="3" name="Espaço Reservado para Conteúdo 2">
+            <a:extLst>
+              <a:ext uri="{FF2B5EF4-FFF2-40B4-BE49-F238E27FC236}">
+                <a16:creationId xmlns:a16="http://schemas.microsoft.com/office/drawing/2014/main" id="{DFC3339E-7E71-4657-B0EA-7782A4AC25E0}"/>
+              </a:ext>
+            </a:extLst>
+          </p:cNvPr>
+          <p:cNvSpPr>
+            <a:spLocks noGrp="1"/>
+          </p:cNvSpPr>
+          <p:nvPr>
+            <p:ph idx="1"/>
+          </p:nvPr>
+        </p:nvSpPr>
+        <p:spPr/>
+        <p:txBody>
+          <a:bodyPr>
+            <a:normAutofit/>
+          </a:bodyPr>
+          <a:lstStyle/>
+          <a:p>
+            <a:pPr marL="342900" indent="-342900">
+              <a:buFont typeface="+mj-lt"/>
+              <a:buAutoNum type="arabicPeriod"/>
+            </a:pPr>
+            <a:r>
+              <a:rPr lang="pt-BR" dirty="0"/>
+              <a:t>Quais problemas o Kafka Resolve?</a:t>
+            </a:r>
+          </a:p>
+          <a:p>
+            <a:pPr marL="342900" indent="-342900">
+              <a:buFont typeface="+mj-lt"/>
+              <a:buAutoNum type="arabicPeriod"/>
+            </a:pPr>
+            <a:r>
+              <a:rPr lang="pt-BR" dirty="0"/>
+              <a:t>Como é definida a Arquitetura de um broker Kafka?</a:t>
+            </a:r>
+          </a:p>
+          <a:p>
+            <a:pPr marL="342900" indent="-342900">
+              <a:buFont typeface="+mj-lt"/>
+              <a:buAutoNum type="arabicPeriod"/>
+            </a:pPr>
+            <a:r>
+              <a:rPr lang="pt-BR" dirty="0"/>
+              <a:t>Como desenhar uma arquitetura usando Kafka?</a:t>
+            </a:r>
+          </a:p>
+          <a:p>
+            <a:pPr marL="342900" indent="-342900">
+              <a:buFont typeface="+mj-lt"/>
+              <a:buAutoNum type="arabicPeriod"/>
+            </a:pPr>
+            <a:r>
+              <a:rPr lang="pt-BR" dirty="0"/>
+              <a:t>Usando Kafka no Java SE</a:t>
+            </a:r>
+          </a:p>
+          <a:p>
+            <a:pPr marL="342900" indent="-342900">
+              <a:buFont typeface="+mj-lt"/>
+              <a:buAutoNum type="arabicPeriod"/>
+            </a:pPr>
+            <a:r>
+              <a:rPr lang="pt-BR" dirty="0"/>
+              <a:t>Usando Kafka no </a:t>
+            </a:r>
+            <a:r>
+              <a:rPr lang="pt-BR" dirty="0" err="1"/>
+              <a:t>Quarkus</a:t>
+            </a:r>
+            <a:endParaRPr lang="pt-BR" dirty="0"/>
+          </a:p>
+        </p:txBody>
+      </p:sp>
+    </p:spTree>
+    <p:extLst>
+      <p:ext uri="{BB962C8B-B14F-4D97-AF65-F5344CB8AC3E}">
+        <p14:creationId xmlns:p14="http://schemas.microsoft.com/office/powerpoint/2010/main" val="1524139716"/>
+      </p:ext>
+    </p:extLst>
+  </p:cSld>
+  <p:clrMapOvr>
+    <a:masterClrMapping/>
+  </p:clrMapOvr>
+</p:sld>
+</file>
+
+<file path=ppt/slides/slide30.xml><?xml version="1.0" encoding="utf-8"?>
+<p:sld xmlns:a="http://schemas.openxmlformats.org/drawingml/2006/main" xmlns:r="http://schemas.openxmlformats.org/officeDocument/2006/relationships" xmlns:p="http://schemas.openxmlformats.org/presentationml/2006/main">
+  <p:cSld>
+    <p:spTree>
+      <p:nvGrpSpPr>
+        <p:cNvPr id="1" name=""/>
+        <p:cNvGrpSpPr/>
+        <p:nvPr/>
+      </p:nvGrpSpPr>
+      <p:grpSpPr>
+        <a:xfrm>
+          <a:off x="0" y="0"/>
+          <a:ext cx="0" cy="0"/>
+          <a:chOff x="0" y="0"/>
+          <a:chExt cx="0" cy="0"/>
+        </a:xfrm>
+      </p:grpSpPr>
+      <p:sp>
+        <p:nvSpPr>
+          <p:cNvPr id="2" name="Título 1">
+            <a:extLst>
+              <a:ext uri="{FF2B5EF4-FFF2-40B4-BE49-F238E27FC236}">
+                <a16:creationId xmlns:a16="http://schemas.microsoft.com/office/drawing/2014/main" id="{B69870C6-1B46-4586-8B7D-2CED554AB1F6}"/>
+              </a:ext>
+            </a:extLst>
+          </p:cNvPr>
+          <p:cNvSpPr>
+            <a:spLocks noGrp="1"/>
+          </p:cNvSpPr>
+          <p:nvPr>
+            <p:ph type="title"/>
+          </p:nvPr>
+        </p:nvSpPr>
+        <p:spPr>
+          <a:xfrm>
+            <a:off x="1261872" y="365760"/>
+            <a:ext cx="9692640" cy="1325562"/>
+          </a:xfrm>
+        </p:spPr>
+        <p:txBody>
+          <a:bodyPr/>
+          <a:lstStyle/>
+          <a:p>
+            <a:r>
+              <a:rPr lang="pt-BR" dirty="0"/>
+              <a:t>Dependências</a:t>
+            </a:r>
+          </a:p>
+        </p:txBody>
+      </p:sp>
+      <p:sp>
+        <p:nvSpPr>
+          <p:cNvPr id="3" name="Espaço Reservado para Conteúdo 2">
+            <a:extLst>
+              <a:ext uri="{FF2B5EF4-FFF2-40B4-BE49-F238E27FC236}">
+                <a16:creationId xmlns:a16="http://schemas.microsoft.com/office/drawing/2014/main" id="{F46028D6-ED79-466C-8F67-E0C420B5DCB4}"/>
+              </a:ext>
+            </a:extLst>
+          </p:cNvPr>
+          <p:cNvSpPr>
+            <a:spLocks noGrp="1"/>
+          </p:cNvSpPr>
+          <p:nvPr>
+            <p:ph idx="1"/>
+          </p:nvPr>
+        </p:nvSpPr>
+        <p:spPr>
+          <a:xfrm>
+            <a:off x="1261872" y="1828800"/>
+            <a:ext cx="8595360" cy="4351337"/>
+          </a:xfrm>
+        </p:spPr>
+        <p:txBody>
+          <a:bodyPr/>
+          <a:lstStyle/>
+          <a:p>
+            <a:r>
+              <a:rPr lang="pt-BR" dirty="0"/>
+              <a:t>Usar Starter: </a:t>
+            </a:r>
+            <a:r>
+              <a:rPr lang="pt-BR" dirty="0">
+                <a:hlinkClick r:id="rId2"/>
+              </a:rPr>
+              <a:t>https://code.quarkus.io/</a:t>
+            </a:r>
+            <a:endParaRPr lang="pt-BR" dirty="0"/>
+          </a:p>
+          <a:p>
+            <a:pPr lvl="1"/>
+            <a:r>
+              <a:rPr lang="pt-BR" dirty="0" err="1"/>
+              <a:t>Smallrye</a:t>
+            </a:r>
+            <a:r>
+              <a:rPr lang="pt-BR" dirty="0"/>
+              <a:t> </a:t>
+            </a:r>
+            <a:r>
+              <a:rPr lang="pt-BR" dirty="0" err="1"/>
+              <a:t>Reactive</a:t>
+            </a:r>
+            <a:r>
+              <a:rPr lang="pt-BR" dirty="0"/>
+              <a:t> </a:t>
+            </a:r>
+            <a:r>
+              <a:rPr lang="pt-BR" dirty="0" err="1"/>
+              <a:t>Messaging</a:t>
+            </a:r>
+            <a:endParaRPr lang="pt-BR" dirty="0"/>
+          </a:p>
+          <a:p>
+            <a:pPr lvl="1"/>
+            <a:r>
+              <a:rPr lang="pt-BR" dirty="0"/>
+              <a:t>Kafka </a:t>
+            </a:r>
+            <a:r>
+              <a:rPr lang="pt-BR" dirty="0" err="1"/>
+              <a:t>Clients</a:t>
+            </a:r>
+            <a:endParaRPr lang="pt-BR" dirty="0"/>
+          </a:p>
+          <a:p>
+            <a:endParaRPr lang="pt-BR" dirty="0"/>
+          </a:p>
+        </p:txBody>
+      </p:sp>
+      <p:pic>
+        <p:nvPicPr>
+          <p:cNvPr id="5" name="Imagem 4">
+            <a:extLst>
+              <a:ext uri="{FF2B5EF4-FFF2-40B4-BE49-F238E27FC236}">
+                <a16:creationId xmlns:a16="http://schemas.microsoft.com/office/drawing/2014/main" id="{FBCD1C07-3AA6-4A91-AFCA-4521A13AF0BC}"/>
+              </a:ext>
+            </a:extLst>
+          </p:cNvPr>
+          <p:cNvPicPr>
+            <a:picLocks noChangeAspect="1"/>
+          </p:cNvPicPr>
+          <p:nvPr/>
+        </p:nvPicPr>
+        <p:blipFill>
+          <a:blip r:embed="rId3"/>
+          <a:stretch>
+            <a:fillRect/>
+          </a:stretch>
+        </p:blipFill>
+        <p:spPr>
+          <a:xfrm>
+            <a:off x="3102102" y="3429000"/>
+            <a:ext cx="4914900" cy="2400300"/>
+          </a:xfrm>
+          <a:prstGeom prst="rect">
+            <a:avLst/>
+          </a:prstGeom>
+        </p:spPr>
+      </p:pic>
+    </p:spTree>
+    <p:extLst>
+      <p:ext uri="{BB962C8B-B14F-4D97-AF65-F5344CB8AC3E}">
+        <p14:creationId xmlns:p14="http://schemas.microsoft.com/office/powerpoint/2010/main" val="352270045"/>
+      </p:ext>
+    </p:extLst>
+  </p:cSld>
+  <p:clrMapOvr>
+    <a:masterClrMapping/>
+  </p:clrMapOvr>
+</p:sld>
+</file>
+
+<file path=ppt/slides/slide31.xml><?xml version="1.0" encoding="utf-8"?>
+<p:sld xmlns:a="http://schemas.openxmlformats.org/drawingml/2006/main" xmlns:r="http://schemas.openxmlformats.org/officeDocument/2006/relationships" xmlns:p="http://schemas.openxmlformats.org/presentationml/2006/main">
+  <p:cSld>
+    <p:spTree>
+      <p:nvGrpSpPr>
+        <p:cNvPr id="1" name=""/>
+        <p:cNvGrpSpPr/>
+        <p:nvPr/>
+      </p:nvGrpSpPr>
+      <p:grpSpPr>
+        <a:xfrm>
+          <a:off x="0" y="0"/>
+          <a:ext cx="0" cy="0"/>
+          <a:chOff x="0" y="0"/>
+          <a:chExt cx="0" cy="0"/>
+        </a:xfrm>
+      </p:grpSpPr>
+      <p:sp>
+        <p:nvSpPr>
+          <p:cNvPr id="2" name="Título 1">
+            <a:extLst>
+              <a:ext uri="{FF2B5EF4-FFF2-40B4-BE49-F238E27FC236}">
+                <a16:creationId xmlns:a16="http://schemas.microsoft.com/office/drawing/2014/main" id="{5F7B96D1-7279-4121-A454-766A0E0E20CD}"/>
+              </a:ext>
+            </a:extLst>
+          </p:cNvPr>
+          <p:cNvSpPr>
+            <a:spLocks noGrp="1"/>
+          </p:cNvSpPr>
+          <p:nvPr>
+            <p:ph type="title"/>
+          </p:nvPr>
+        </p:nvSpPr>
+        <p:spPr/>
+        <p:txBody>
+          <a:bodyPr/>
+          <a:lstStyle/>
+          <a:p>
+            <a:r>
+              <a:rPr lang="pt-BR" dirty="0"/>
+              <a:t>Configuração</a:t>
+            </a:r>
+          </a:p>
+        </p:txBody>
+      </p:sp>
+      <p:sp>
+        <p:nvSpPr>
+          <p:cNvPr id="3" name="Espaço Reservado para Conteúdo 2">
+            <a:extLst>
+              <a:ext uri="{FF2B5EF4-FFF2-40B4-BE49-F238E27FC236}">
+                <a16:creationId xmlns:a16="http://schemas.microsoft.com/office/drawing/2014/main" id="{5B950482-8AE7-4291-9565-5759797C03FD}"/>
+              </a:ext>
+            </a:extLst>
+          </p:cNvPr>
+          <p:cNvSpPr>
+            <a:spLocks noGrp="1"/>
+          </p:cNvSpPr>
+          <p:nvPr>
+            <p:ph idx="1"/>
+          </p:nvPr>
+        </p:nvSpPr>
+        <p:spPr/>
+        <p:txBody>
+          <a:bodyPr/>
+          <a:lstStyle/>
+          <a:p>
+            <a:r>
+              <a:rPr lang="pt-BR" dirty="0"/>
+              <a:t>Os valores devem ser preenchidos no </a:t>
+            </a:r>
+            <a:r>
+              <a:rPr lang="pt-BR" dirty="0" err="1"/>
+              <a:t>application.properties</a:t>
+            </a:r>
+            <a:endParaRPr lang="pt-BR" dirty="0"/>
+          </a:p>
+          <a:p>
+            <a:pPr lvl="1"/>
+            <a:r>
+              <a:rPr lang="pt-BR" sz="1200" dirty="0" err="1">
+                <a:latin typeface="Courier New" panose="02070309020205020404" pitchFamily="49" charset="0"/>
+                <a:cs typeface="Courier New" panose="02070309020205020404" pitchFamily="49" charset="0"/>
+              </a:rPr>
+              <a:t>src</a:t>
+            </a:r>
+            <a:r>
+              <a:rPr lang="pt-BR" sz="1200" dirty="0">
+                <a:latin typeface="Courier New" panose="02070309020205020404" pitchFamily="49" charset="0"/>
+                <a:cs typeface="Courier New" panose="02070309020205020404" pitchFamily="49" charset="0"/>
+              </a:rPr>
+              <a:t>\</a:t>
+            </a:r>
+            <a:r>
+              <a:rPr lang="pt-BR" sz="1200" dirty="0" err="1">
+                <a:latin typeface="Courier New" panose="02070309020205020404" pitchFamily="49" charset="0"/>
+                <a:cs typeface="Courier New" panose="02070309020205020404" pitchFamily="49" charset="0"/>
+              </a:rPr>
+              <a:t>main</a:t>
+            </a:r>
+            <a:r>
+              <a:rPr lang="pt-BR" sz="1200" dirty="0">
+                <a:latin typeface="Courier New" panose="02070309020205020404" pitchFamily="49" charset="0"/>
+                <a:cs typeface="Courier New" panose="02070309020205020404" pitchFamily="49" charset="0"/>
+              </a:rPr>
+              <a:t>\</a:t>
+            </a:r>
+            <a:r>
+              <a:rPr lang="pt-BR" sz="1200" dirty="0" err="1">
+                <a:latin typeface="Courier New" panose="02070309020205020404" pitchFamily="49" charset="0"/>
+                <a:cs typeface="Courier New" panose="02070309020205020404" pitchFamily="49" charset="0"/>
+              </a:rPr>
+              <a:t>resources</a:t>
+            </a:r>
+            <a:r>
+              <a:rPr lang="pt-BR" sz="1200" dirty="0">
+                <a:latin typeface="Courier New" panose="02070309020205020404" pitchFamily="49" charset="0"/>
+                <a:cs typeface="Courier New" panose="02070309020205020404" pitchFamily="49" charset="0"/>
+              </a:rPr>
+              <a:t>\</a:t>
+            </a:r>
+            <a:r>
+              <a:rPr lang="pt-BR" sz="1200" dirty="0" err="1">
+                <a:latin typeface="Courier New" panose="02070309020205020404" pitchFamily="49" charset="0"/>
+                <a:cs typeface="Courier New" panose="02070309020205020404" pitchFamily="49" charset="0"/>
+              </a:rPr>
+              <a:t>application.properties</a:t>
+            </a:r>
+            <a:endParaRPr lang="pt-BR" sz="1200" dirty="0">
+              <a:latin typeface="Courier New" panose="02070309020205020404" pitchFamily="49" charset="0"/>
+              <a:cs typeface="Courier New" panose="02070309020205020404" pitchFamily="49" charset="0"/>
+            </a:endParaRPr>
+          </a:p>
+          <a:p>
+            <a:r>
+              <a:rPr lang="pt-BR" dirty="0"/>
+              <a:t>Podem ser configurados por Variáveis de Ambiente</a:t>
+            </a:r>
+          </a:p>
+          <a:p>
+            <a:pPr lvl="1"/>
+            <a:r>
+              <a:rPr lang="pt-BR" dirty="0">
+                <a:hlinkClick r:id="rId2"/>
+              </a:rPr>
+              <a:t>https://quarkus.io/guides/config</a:t>
+            </a:r>
+            <a:endParaRPr lang="pt-BR" dirty="0"/>
+          </a:p>
+          <a:p>
+            <a:r>
+              <a:rPr lang="pt-BR" dirty="0"/>
+              <a:t>Mais informações: </a:t>
+            </a:r>
+            <a:r>
+              <a:rPr lang="pt-BR" dirty="0">
+                <a:hlinkClick r:id="rId3"/>
+              </a:rPr>
+              <a:t>https://quarkus.io/guides/kafka</a:t>
+            </a:r>
+            <a:r>
+              <a:rPr lang="pt-BR" dirty="0"/>
+              <a:t> </a:t>
+            </a:r>
+          </a:p>
+        </p:txBody>
+      </p:sp>
+      <p:pic>
+        <p:nvPicPr>
+          <p:cNvPr id="4" name="Imagem 3">
+            <a:extLst>
+              <a:ext uri="{FF2B5EF4-FFF2-40B4-BE49-F238E27FC236}">
+                <a16:creationId xmlns:a16="http://schemas.microsoft.com/office/drawing/2014/main" id="{BAB4E78A-A2F1-44B6-9397-F2E5FC79CBE1}"/>
+              </a:ext>
+            </a:extLst>
+          </p:cNvPr>
+          <p:cNvPicPr>
+            <a:picLocks noChangeAspect="1"/>
+          </p:cNvPicPr>
+          <p:nvPr/>
+        </p:nvPicPr>
+        <p:blipFill>
+          <a:blip r:embed="rId4"/>
+          <a:stretch>
+            <a:fillRect/>
+          </a:stretch>
+        </p:blipFill>
+        <p:spPr>
+          <a:xfrm>
+            <a:off x="1706689" y="3804171"/>
+            <a:ext cx="7705725" cy="1857375"/>
+          </a:xfrm>
+          <a:prstGeom prst="rect">
+            <a:avLst/>
+          </a:prstGeom>
+        </p:spPr>
+      </p:pic>
+    </p:spTree>
+    <p:extLst>
+      <p:ext uri="{BB962C8B-B14F-4D97-AF65-F5344CB8AC3E}">
+        <p14:creationId xmlns:p14="http://schemas.microsoft.com/office/powerpoint/2010/main" val="2839567701"/>
+      </p:ext>
+    </p:extLst>
+  </p:cSld>
+  <p:clrMapOvr>
+    <a:masterClrMapping/>
+  </p:clrMapOvr>
+</p:sld>
+</file>
+
+<file path=ppt/slides/slide32.xml><?xml version="1.0" encoding="utf-8"?>
+<p:sld xmlns:a="http://schemas.openxmlformats.org/drawingml/2006/main" xmlns:r="http://schemas.openxmlformats.org/officeDocument/2006/relationships" xmlns:p="http://schemas.openxmlformats.org/presentationml/2006/main">
+  <p:cSld>
+    <p:spTree>
+      <p:nvGrpSpPr>
+        <p:cNvPr id="1" name=""/>
+        <p:cNvGrpSpPr/>
+        <p:nvPr/>
+      </p:nvGrpSpPr>
+      <p:grpSpPr>
+        <a:xfrm>
+          <a:off x="0" y="0"/>
+          <a:ext cx="0" cy="0"/>
+          <a:chOff x="0" y="0"/>
+          <a:chExt cx="0" cy="0"/>
+        </a:xfrm>
+      </p:grpSpPr>
+      <p:sp>
+        <p:nvSpPr>
+          <p:cNvPr id="2" name="Título 1">
+            <a:extLst>
+              <a:ext uri="{FF2B5EF4-FFF2-40B4-BE49-F238E27FC236}">
+                <a16:creationId xmlns:a16="http://schemas.microsoft.com/office/drawing/2014/main" id="{99189352-B03B-4A22-A8A3-DEF99764F745}"/>
+              </a:ext>
+            </a:extLst>
+          </p:cNvPr>
+          <p:cNvSpPr>
+            <a:spLocks noGrp="1"/>
+          </p:cNvSpPr>
+          <p:nvPr>
+            <p:ph type="title"/>
+          </p:nvPr>
+        </p:nvSpPr>
+        <p:spPr/>
+        <p:txBody>
+          <a:bodyPr/>
+          <a:lstStyle/>
+          <a:p>
+            <a:r>
+              <a:rPr lang="pt-BR" dirty="0"/>
+              <a:t>Configurando Producer</a:t>
+            </a:r>
+          </a:p>
+        </p:txBody>
+      </p:sp>
+      <p:sp>
+        <p:nvSpPr>
+          <p:cNvPr id="3" name="Espaço Reservado para Conteúdo 2">
+            <a:extLst>
+              <a:ext uri="{FF2B5EF4-FFF2-40B4-BE49-F238E27FC236}">
+                <a16:creationId xmlns:a16="http://schemas.microsoft.com/office/drawing/2014/main" id="{DB4D88F1-F4DF-4E74-8DB7-B6B91AA4DE4D}"/>
+              </a:ext>
+            </a:extLst>
+          </p:cNvPr>
+          <p:cNvSpPr>
+            <a:spLocks noGrp="1"/>
+          </p:cNvSpPr>
+          <p:nvPr>
+            <p:ph idx="1"/>
+          </p:nvPr>
+        </p:nvSpPr>
+        <p:spPr/>
+        <p:txBody>
+          <a:bodyPr/>
+          <a:lstStyle/>
+          <a:p>
+            <a:r>
+              <a:rPr lang="pt-BR" dirty="0"/>
+              <a:t>Deve ser configurado</a:t>
+            </a:r>
+          </a:p>
+          <a:p>
+            <a:pPr lvl="1"/>
+            <a:r>
+              <a:rPr lang="pt-BR" dirty="0"/>
+              <a:t>Em um CDI </a:t>
+            </a:r>
+            <a:r>
+              <a:rPr lang="pt-BR" dirty="0" err="1"/>
+              <a:t>Bean</a:t>
+            </a:r>
+            <a:endParaRPr lang="pt-BR" dirty="0"/>
+          </a:p>
+          <a:p>
+            <a:pPr lvl="1"/>
+            <a:r>
+              <a:rPr lang="pt-BR" dirty="0"/>
+              <a:t>Usar </a:t>
+            </a:r>
+            <a:r>
+              <a:rPr lang="pt-BR" i="1" dirty="0" err="1"/>
+              <a:t>Annotations</a:t>
+            </a:r>
+            <a:endParaRPr lang="pt-BR" i="1" dirty="0"/>
+          </a:p>
+          <a:p>
+            <a:pPr lvl="2"/>
+            <a:r>
+              <a:rPr lang="pt-BR" dirty="0">
+                <a:latin typeface="Courier New" panose="02070309020205020404" pitchFamily="49" charset="0"/>
+                <a:cs typeface="Courier New" panose="02070309020205020404" pitchFamily="49" charset="0"/>
+              </a:rPr>
+              <a:t>@</a:t>
+            </a:r>
+            <a:r>
+              <a:rPr lang="pt-BR" dirty="0" err="1">
+                <a:latin typeface="Courier New" panose="02070309020205020404" pitchFamily="49" charset="0"/>
+                <a:cs typeface="Courier New" panose="02070309020205020404" pitchFamily="49" charset="0"/>
+              </a:rPr>
+              <a:t>Inject</a:t>
+            </a:r>
+            <a:endParaRPr lang="pt-BR" dirty="0">
+              <a:latin typeface="Courier New" panose="02070309020205020404" pitchFamily="49" charset="0"/>
+              <a:cs typeface="Courier New" panose="02070309020205020404" pitchFamily="49" charset="0"/>
+            </a:endParaRPr>
+          </a:p>
+          <a:p>
+            <a:pPr lvl="2"/>
+            <a:r>
+              <a:rPr lang="pt-BR" dirty="0">
+                <a:latin typeface="Courier New" panose="02070309020205020404" pitchFamily="49" charset="0"/>
+                <a:cs typeface="Courier New" panose="02070309020205020404" pitchFamily="49" charset="0"/>
+              </a:rPr>
+              <a:t>@</a:t>
+            </a:r>
+            <a:r>
+              <a:rPr lang="pt-BR" dirty="0" err="1">
+                <a:latin typeface="Courier New" panose="02070309020205020404" pitchFamily="49" charset="0"/>
+                <a:cs typeface="Courier New" panose="02070309020205020404" pitchFamily="49" charset="0"/>
+              </a:rPr>
+              <a:t>Channel</a:t>
+            </a:r>
+            <a:r>
+              <a:rPr lang="pt-BR" dirty="0">
+                <a:latin typeface="Courier New" panose="02070309020205020404" pitchFamily="49" charset="0"/>
+                <a:cs typeface="Courier New" panose="02070309020205020404" pitchFamily="49" charset="0"/>
+              </a:rPr>
+              <a:t> →</a:t>
+            </a:r>
+            <a:r>
+              <a:rPr lang="pt-BR" dirty="0"/>
+              <a:t> Vai associar a configuração correspondente</a:t>
+            </a:r>
+            <a:endParaRPr lang="pt-BR" dirty="0">
+              <a:latin typeface="Courier New" panose="02070309020205020404" pitchFamily="49" charset="0"/>
+              <a:cs typeface="Courier New" panose="02070309020205020404" pitchFamily="49" charset="0"/>
+            </a:endParaRPr>
+          </a:p>
+        </p:txBody>
+      </p:sp>
+      <p:pic>
+        <p:nvPicPr>
+          <p:cNvPr id="4" name="Imagem 3">
+            <a:extLst>
+              <a:ext uri="{FF2B5EF4-FFF2-40B4-BE49-F238E27FC236}">
+                <a16:creationId xmlns:a16="http://schemas.microsoft.com/office/drawing/2014/main" id="{67D4540C-84AC-4889-95BE-B901E5AC3ED5}"/>
+              </a:ext>
+            </a:extLst>
+          </p:cNvPr>
+          <p:cNvPicPr>
+            <a:picLocks noChangeAspect="1"/>
+          </p:cNvPicPr>
+          <p:nvPr/>
+        </p:nvPicPr>
+        <p:blipFill>
+          <a:blip r:embed="rId2"/>
+          <a:stretch>
+            <a:fillRect/>
+          </a:stretch>
+        </p:blipFill>
+        <p:spPr>
+          <a:xfrm>
+            <a:off x="3845052" y="4004468"/>
+            <a:ext cx="3429000" cy="1047750"/>
+          </a:xfrm>
+          <a:prstGeom prst="rect">
+            <a:avLst/>
+          </a:prstGeom>
+        </p:spPr>
+      </p:pic>
+    </p:spTree>
+    <p:extLst>
+      <p:ext uri="{BB962C8B-B14F-4D97-AF65-F5344CB8AC3E}">
+        <p14:creationId xmlns:p14="http://schemas.microsoft.com/office/powerpoint/2010/main" val="1855222240"/>
+      </p:ext>
+    </p:extLst>
+  </p:cSld>
+  <p:clrMapOvr>
+    <a:masterClrMapping/>
+  </p:clrMapOvr>
+</p:sld>
+</file>
+
+<file path=ppt/slides/slide33.xml><?xml version="1.0" encoding="utf-8"?>
+<p:sld xmlns:a="http://schemas.openxmlformats.org/drawingml/2006/main" xmlns:r="http://schemas.openxmlformats.org/officeDocument/2006/relationships" xmlns:p="http://schemas.openxmlformats.org/presentationml/2006/main">
+  <p:cSld>
+    <p:spTree>
+      <p:nvGrpSpPr>
+        <p:cNvPr id="1" name=""/>
+        <p:cNvGrpSpPr/>
+        <p:nvPr/>
+      </p:nvGrpSpPr>
+      <p:grpSpPr>
+        <a:xfrm>
+          <a:off x="0" y="0"/>
+          <a:ext cx="0" cy="0"/>
+          <a:chOff x="0" y="0"/>
+          <a:chExt cx="0" cy="0"/>
+        </a:xfrm>
+      </p:grpSpPr>
+      <p:sp>
+        <p:nvSpPr>
+          <p:cNvPr id="2" name="Título 1">
+            <a:extLst>
+              <a:ext uri="{FF2B5EF4-FFF2-40B4-BE49-F238E27FC236}">
+                <a16:creationId xmlns:a16="http://schemas.microsoft.com/office/drawing/2014/main" id="{AF7D84C2-B64F-4B9E-9542-28BB479BE7E7}"/>
+              </a:ext>
+            </a:extLst>
+          </p:cNvPr>
+          <p:cNvSpPr>
+            <a:spLocks noGrp="1"/>
+          </p:cNvSpPr>
+          <p:nvPr>
+            <p:ph type="title"/>
+          </p:nvPr>
+        </p:nvSpPr>
+        <p:spPr/>
+        <p:txBody>
+          <a:bodyPr/>
+          <a:lstStyle/>
+          <a:p>
+            <a:r>
+              <a:rPr lang="pt-BR" dirty="0" err="1"/>
+              <a:t>Consumer</a:t>
+            </a:r>
+            <a:endParaRPr lang="pt-BR" dirty="0"/>
+          </a:p>
+        </p:txBody>
+      </p:sp>
+      <p:sp>
+        <p:nvSpPr>
+          <p:cNvPr id="3" name="Espaço Reservado para Conteúdo 2">
+            <a:extLst>
+              <a:ext uri="{FF2B5EF4-FFF2-40B4-BE49-F238E27FC236}">
+                <a16:creationId xmlns:a16="http://schemas.microsoft.com/office/drawing/2014/main" id="{B852172D-F89D-4122-943B-73D7DD528308}"/>
+              </a:ext>
+            </a:extLst>
+          </p:cNvPr>
+          <p:cNvSpPr>
+            <a:spLocks noGrp="1"/>
+          </p:cNvSpPr>
+          <p:nvPr>
+            <p:ph idx="1"/>
+          </p:nvPr>
+        </p:nvSpPr>
+        <p:spPr/>
+        <p:txBody>
+          <a:bodyPr/>
+          <a:lstStyle/>
+          <a:p>
+            <a:r>
+              <a:rPr lang="pt-BR" dirty="0"/>
+              <a:t>Deve ser configurado</a:t>
+            </a:r>
+          </a:p>
+          <a:p>
+            <a:pPr lvl="1"/>
+            <a:r>
+              <a:rPr lang="pt-BR" dirty="0"/>
+              <a:t>Em um CDI </a:t>
+            </a:r>
+            <a:r>
+              <a:rPr lang="pt-BR" dirty="0" err="1"/>
+              <a:t>Bean</a:t>
+            </a:r>
+            <a:endParaRPr lang="pt-BR" dirty="0"/>
+          </a:p>
+          <a:p>
+            <a:pPr lvl="1"/>
+            <a:r>
+              <a:rPr lang="pt-BR" dirty="0"/>
+              <a:t>Usar </a:t>
+            </a:r>
+            <a:r>
+              <a:rPr lang="pt-BR" i="1" dirty="0" err="1"/>
+              <a:t>Annotations</a:t>
+            </a:r>
+            <a:endParaRPr lang="pt-BR" i="1" dirty="0"/>
+          </a:p>
+          <a:p>
+            <a:pPr lvl="2"/>
+            <a:r>
+              <a:rPr lang="pt-BR" dirty="0">
+                <a:latin typeface="Courier New" panose="02070309020205020404" pitchFamily="49" charset="0"/>
+                <a:cs typeface="Courier New" panose="02070309020205020404" pitchFamily="49" charset="0"/>
+              </a:rPr>
+              <a:t>@</a:t>
+            </a:r>
+            <a:r>
+              <a:rPr lang="pt-BR" dirty="0" err="1">
+                <a:latin typeface="Courier New" panose="02070309020205020404" pitchFamily="49" charset="0"/>
+                <a:cs typeface="Courier New" panose="02070309020205020404" pitchFamily="49" charset="0"/>
+              </a:rPr>
+              <a:t>Incoming</a:t>
+            </a:r>
+            <a:endParaRPr lang="pt-BR" dirty="0">
+              <a:latin typeface="Courier New" panose="02070309020205020404" pitchFamily="49" charset="0"/>
+              <a:cs typeface="Courier New" panose="02070309020205020404" pitchFamily="49" charset="0"/>
+            </a:endParaRPr>
+          </a:p>
+          <a:p>
+            <a:pPr lvl="1"/>
+            <a:endParaRPr lang="pt-BR" dirty="0"/>
+          </a:p>
+        </p:txBody>
+      </p:sp>
+      <p:pic>
+        <p:nvPicPr>
+          <p:cNvPr id="4" name="Imagem 3">
+            <a:extLst>
+              <a:ext uri="{FF2B5EF4-FFF2-40B4-BE49-F238E27FC236}">
+                <a16:creationId xmlns:a16="http://schemas.microsoft.com/office/drawing/2014/main" id="{BB3707FA-3CA1-43C7-A297-8805FD174862}"/>
+              </a:ext>
+            </a:extLst>
+          </p:cNvPr>
+          <p:cNvPicPr>
+            <a:picLocks noChangeAspect="1"/>
+          </p:cNvPicPr>
+          <p:nvPr/>
+        </p:nvPicPr>
+        <p:blipFill>
+          <a:blip r:embed="rId2"/>
+          <a:stretch>
+            <a:fillRect/>
+          </a:stretch>
+        </p:blipFill>
+        <p:spPr>
+          <a:xfrm>
+            <a:off x="2835402" y="3429000"/>
+            <a:ext cx="5448300" cy="1371600"/>
+          </a:xfrm>
+          <a:prstGeom prst="rect">
+            <a:avLst/>
+          </a:prstGeom>
+        </p:spPr>
+      </p:pic>
+    </p:spTree>
+    <p:extLst>
+      <p:ext uri="{BB962C8B-B14F-4D97-AF65-F5344CB8AC3E}">
+        <p14:creationId xmlns:p14="http://schemas.microsoft.com/office/powerpoint/2010/main" val="1825167326"/>
+      </p:ext>
+    </p:extLst>
+  </p:cSld>
+  <p:clrMapOvr>
+    <a:masterClrMapping/>
+  </p:clrMapOvr>
+</p:sld>
+</file>
+
+<file path=ppt/slides/slide34.xml><?xml version="1.0" encoding="utf-8"?>
+<p:sld xmlns:a="http://schemas.openxmlformats.org/drawingml/2006/main" xmlns:r="http://schemas.openxmlformats.org/officeDocument/2006/relationships" xmlns:p="http://schemas.openxmlformats.org/presentationml/2006/main">
+  <p:cSld>
+    <p:spTree>
+      <p:nvGrpSpPr>
+        <p:cNvPr id="1" name=""/>
+        <p:cNvGrpSpPr/>
+        <p:nvPr/>
+      </p:nvGrpSpPr>
+      <p:grpSpPr>
+        <a:xfrm>
+          <a:off x="0" y="0"/>
+          <a:ext cx="0" cy="0"/>
+          <a:chOff x="0" y="0"/>
+          <a:chExt cx="0" cy="0"/>
+        </a:xfrm>
+      </p:grpSpPr>
+      <p:sp>
+        <p:nvSpPr>
+          <p:cNvPr id="4" name="Título 3">
+            <a:extLst>
+              <a:ext uri="{FF2B5EF4-FFF2-40B4-BE49-F238E27FC236}">
+                <a16:creationId xmlns:a16="http://schemas.microsoft.com/office/drawing/2014/main" id="{237C2F1B-3008-4E93-B414-CDA7528E0275}"/>
+              </a:ext>
+            </a:extLst>
+          </p:cNvPr>
+          <p:cNvSpPr>
+            <a:spLocks noGrp="1"/>
+          </p:cNvSpPr>
+          <p:nvPr>
+            <p:ph type="ctrTitle"/>
+          </p:nvPr>
+        </p:nvSpPr>
+        <p:spPr/>
+        <p:txBody>
+          <a:bodyPr/>
+          <a:lstStyle/>
+          <a:p>
+            <a:r>
+              <a:rPr lang="pt-BR" dirty="0"/>
+              <a:t>Demonstração!!!</a:t>
+            </a:r>
+          </a:p>
+        </p:txBody>
+      </p:sp>
+      <p:sp>
+        <p:nvSpPr>
+          <p:cNvPr id="5" name="Subtítulo 4">
+            <a:extLst>
+              <a:ext uri="{FF2B5EF4-FFF2-40B4-BE49-F238E27FC236}">
+                <a16:creationId xmlns:a16="http://schemas.microsoft.com/office/drawing/2014/main" id="{9162AD64-9CB5-4E85-9A01-E3CF6F366B3E}"/>
+              </a:ext>
+            </a:extLst>
+          </p:cNvPr>
+          <p:cNvSpPr>
+            <a:spLocks noGrp="1"/>
+          </p:cNvSpPr>
+          <p:nvPr>
+            <p:ph type="subTitle" idx="1"/>
+          </p:nvPr>
+        </p:nvSpPr>
+        <p:spPr/>
+        <p:txBody>
+          <a:bodyPr/>
+          <a:lstStyle/>
+          <a:p>
+            <a:endParaRPr lang="pt-BR"/>
+          </a:p>
+        </p:txBody>
+      </p:sp>
+    </p:spTree>
+    <p:extLst>
+      <p:ext uri="{BB962C8B-B14F-4D97-AF65-F5344CB8AC3E}">
+        <p14:creationId xmlns:p14="http://schemas.microsoft.com/office/powerpoint/2010/main" val="2628822933"/>
+      </p:ext>
+    </p:extLst>
+  </p:cSld>
+  <p:clrMapOvr>
+    <a:masterClrMapping/>
+  </p:clrMapOvr>
+</p:sld>
+</file>
+
+<file path=ppt/slides/slide35.xml><?xml version="1.0" encoding="utf-8"?>
 <p:sld xmlns:a="http://schemas.openxmlformats.org/drawingml/2006/main" xmlns:r="http://schemas.openxmlformats.org/officeDocument/2006/relationships" xmlns:p="http://schemas.openxmlformats.org/presentationml/2006/main">
   <p:cSld>
     <p:spTree>
@@ -9082,42 +11570,6 @@
           </a:prstGeom>
         </p:spPr>
       </p:pic>
-      <p:pic>
-        <p:nvPicPr>
-          <p:cNvPr id="8" name="Gráfico 7">
-            <a:extLst>
-              <a:ext uri="{FF2B5EF4-FFF2-40B4-BE49-F238E27FC236}">
-                <a16:creationId xmlns:a16="http://schemas.microsoft.com/office/drawing/2014/main" id="{531D9644-3091-47B8-8DFB-517AC442069A}"/>
-              </a:ext>
-            </a:extLst>
-          </p:cNvPr>
-          <p:cNvPicPr>
-            <a:picLocks noChangeAspect="1"/>
-          </p:cNvPicPr>
-          <p:nvPr/>
-        </p:nvPicPr>
-        <p:blipFill>
-          <a:blip r:embed="rId3">
-            <a:extLst>
-              <a:ext uri="{96DAC541-7B7A-43D3-8B79-37D633B846F1}">
-                <asvg:svgBlip xmlns:asvg="http://schemas.microsoft.com/office/drawing/2016/SVG/main" r:embed="rId4"/>
-              </a:ext>
-            </a:extLst>
-          </a:blip>
-          <a:stretch>
-            <a:fillRect/>
-          </a:stretch>
-        </p:blipFill>
-        <p:spPr>
-          <a:xfrm>
-            <a:off x="1511808" y="462775"/>
-            <a:ext cx="2966225" cy="2966225"/>
-          </a:xfrm>
-          <a:prstGeom prst="rect">
-            <a:avLst/>
-          </a:prstGeom>
-        </p:spPr>
-      </p:pic>
     </p:spTree>
     <p:extLst>
       <p:ext uri="{BB962C8B-B14F-4D97-AF65-F5344CB8AC3E}">
@@ -9131,7 +11583,7 @@
 </p:sld>
 </file>
 
-<file path=ppt/slides/slide27.xml><?xml version="1.0" encoding="utf-8"?>
+<file path=ppt/slides/slide36.xml><?xml version="1.0" encoding="utf-8"?>
 <p:sld xmlns:a="http://schemas.openxmlformats.org/drawingml/2006/main" xmlns:r="http://schemas.openxmlformats.org/officeDocument/2006/relationships" xmlns:p="http://schemas.openxmlformats.org/presentationml/2006/main">
   <p:cSld>
     <p:bg>
@@ -9225,343 +11677,16 @@
                 <a:solidFill>
                   <a:schemeClr val="bg1"/>
                 </a:solidFill>
-                <a:hlinkClick r:id="rId2">
-                  <a:extLst>
-                    <a:ext uri="{A12FA001-AC4F-418D-AE19-62706E023703}">
-                      <ahyp:hlinkClr xmlns:ahyp="http://schemas.microsoft.com/office/drawing/2018/hyperlinkcolor" val="tx"/>
-                    </a:ext>
-                  </a:extLst>
-                </a:hlinkClick>
               </a:rPr>
-              <a:t>https://github.com/vepo/cdi-tutorial</a:t>
-            </a:r>
-            <a:endParaRPr lang="pt-BR" dirty="0">
-              <a:solidFill>
-                <a:schemeClr val="bg1"/>
-              </a:solidFill>
-            </a:endParaRPr>
-          </a:p>
-          <a:p>
-            <a:pPr lvl="1"/>
-            <a:r>
-              <a:rPr lang="pt-BR" dirty="0">
-                <a:solidFill>
-                  <a:schemeClr val="bg1"/>
-                </a:solidFill>
-                <a:hlinkClick r:id="rId3">
-                  <a:extLst>
-                    <a:ext uri="{A12FA001-AC4F-418D-AE19-62706E023703}">
-                      <ahyp:hlinkClr xmlns:ahyp="http://schemas.microsoft.com/office/drawing/2018/hyperlinkcolor" val="tx"/>
-                    </a:ext>
-                  </a:extLst>
-                </a:hlinkClick>
-              </a:rPr>
-              <a:t>https://github.com/vepo/cdi-tutorial-java-se</a:t>
-            </a:r>
-            <a:endParaRPr lang="pt-BR" dirty="0">
-              <a:solidFill>
-                <a:schemeClr val="bg1"/>
-              </a:solidFill>
-            </a:endParaRPr>
-          </a:p>
-          <a:p>
-            <a:pPr lvl="1"/>
-            <a:endParaRPr lang="pt-BR" dirty="0">
-              <a:solidFill>
-                <a:schemeClr val="bg1"/>
-              </a:solidFill>
-            </a:endParaRPr>
-          </a:p>
-          <a:p>
-            <a:r>
-              <a:rPr lang="pt-BR" dirty="0">
-                <a:solidFill>
-                  <a:schemeClr val="bg1"/>
-                </a:solidFill>
-              </a:rPr>
-              <a:t>Dicas</a:t>
-            </a:r>
-          </a:p>
-          <a:p>
-            <a:pPr lvl="1"/>
-            <a:r>
-              <a:rPr lang="pt-BR" dirty="0" err="1">
-                <a:solidFill>
-                  <a:schemeClr val="bg1"/>
-                </a:solidFill>
-              </a:rPr>
-              <a:t>JakartaOne</a:t>
-            </a:r>
-            <a:r>
-              <a:rPr lang="pt-BR" dirty="0">
-                <a:solidFill>
-                  <a:schemeClr val="bg1"/>
-                </a:solidFill>
-              </a:rPr>
-              <a:t> </a:t>
-            </a:r>
-            <a:r>
-              <a:rPr lang="pt-BR" dirty="0" err="1">
-                <a:solidFill>
-                  <a:schemeClr val="bg1"/>
-                </a:solidFill>
-              </a:rPr>
-              <a:t>Livestream</a:t>
-            </a:r>
-            <a:r>
-              <a:rPr lang="pt-BR" dirty="0">
-                <a:solidFill>
-                  <a:schemeClr val="bg1"/>
-                </a:solidFill>
-              </a:rPr>
-              <a:t> </a:t>
-            </a:r>
-          </a:p>
-          <a:p>
-            <a:pPr lvl="2"/>
-            <a:r>
-              <a:rPr lang="pt-BR" dirty="0">
-                <a:solidFill>
-                  <a:schemeClr val="bg1"/>
-                </a:solidFill>
-                <a:hlinkClick r:id="rId4">
-                  <a:extLst>
-                    <a:ext uri="{A12FA001-AC4F-418D-AE19-62706E023703}">
-                      <ahyp:hlinkClr xmlns:ahyp="http://schemas.microsoft.com/office/drawing/2018/hyperlinkcolor" val="tx"/>
-                    </a:ext>
-                  </a:extLst>
-                </a:hlinkClick>
-              </a:rPr>
-              <a:t>https://www.youtube.com/playlist?list=PLy7t4z5SYNaSxBfGMW-NRQkV_qWM0NipB</a:t>
-            </a:r>
-            <a:r>
-              <a:rPr lang="pt-BR" dirty="0">
-                <a:solidFill>
-                  <a:schemeClr val="bg1"/>
-                </a:solidFill>
-              </a:rPr>
-              <a:t> </a:t>
-            </a:r>
-          </a:p>
-          <a:p>
-            <a:pPr lvl="2"/>
-            <a:r>
-              <a:rPr lang="pt-BR" dirty="0">
-                <a:solidFill>
-                  <a:schemeClr val="bg1"/>
-                </a:solidFill>
-              </a:rPr>
-              <a:t>Live </a:t>
-            </a:r>
-            <a:r>
-              <a:rPr lang="pt-BR" dirty="0" err="1">
-                <a:solidFill>
-                  <a:schemeClr val="bg1"/>
-                </a:solidFill>
-              </a:rPr>
-              <a:t>Code</a:t>
-            </a:r>
-            <a:r>
-              <a:rPr lang="pt-BR" dirty="0">
-                <a:solidFill>
-                  <a:schemeClr val="bg1"/>
-                </a:solidFill>
-              </a:rPr>
-              <a:t> de Microprofile.io e </a:t>
-            </a:r>
-            <a:r>
-              <a:rPr lang="pt-BR" dirty="0" err="1">
-                <a:solidFill>
-                  <a:schemeClr val="bg1"/>
-                </a:solidFill>
-              </a:rPr>
-              <a:t>JakartaEE</a:t>
-            </a:r>
-            <a:endParaRPr lang="pt-BR" dirty="0">
-              <a:solidFill>
-                <a:schemeClr val="bg1"/>
-              </a:solidFill>
-            </a:endParaRPr>
-          </a:p>
-        </p:txBody>
-      </p:sp>
-      <p:pic>
-        <p:nvPicPr>
-          <p:cNvPr id="7" name="Gráfico 6">
-            <a:extLst>
-              <a:ext uri="{FF2B5EF4-FFF2-40B4-BE49-F238E27FC236}">
-                <a16:creationId xmlns:a16="http://schemas.microsoft.com/office/drawing/2014/main" id="{676BF189-ABBC-4896-BD99-A7C2ABEAB9BE}"/>
-              </a:ext>
-            </a:extLst>
-          </p:cNvPr>
-          <p:cNvPicPr>
-            <a:picLocks noChangeAspect="1"/>
-          </p:cNvPicPr>
-          <p:nvPr/>
-        </p:nvPicPr>
-        <p:blipFill>
-          <a:blip r:embed="rId5">
-            <a:extLst>
-              <a:ext uri="{96DAC541-7B7A-43D3-8B79-37D633B846F1}">
-                <asvg:svgBlip xmlns:asvg="http://schemas.microsoft.com/office/drawing/2016/SVG/main" r:embed="rId6"/>
-              </a:ext>
-            </a:extLst>
-          </a:blip>
-          <a:stretch>
-            <a:fillRect/>
-          </a:stretch>
-        </p:blipFill>
-        <p:spPr>
-          <a:xfrm>
-            <a:off x="8229599" y="3891775"/>
-            <a:ext cx="2966225" cy="2966225"/>
-          </a:xfrm>
-          <a:prstGeom prst="rect">
-            <a:avLst/>
-          </a:prstGeom>
-        </p:spPr>
-      </p:pic>
+              <a:t>https://github.com/vepo/kafka-intro</a:t>
+            </a:r>
+          </a:p>
+        </p:txBody>
+      </p:sp>
     </p:spTree>
     <p:extLst>
       <p:ext uri="{BB962C8B-B14F-4D97-AF65-F5344CB8AC3E}">
         <p14:creationId xmlns:p14="http://schemas.microsoft.com/office/powerpoint/2010/main" val="1786520593"/>
-      </p:ext>
-    </p:extLst>
-  </p:cSld>
-  <p:clrMapOvr>
-    <a:masterClrMapping/>
-  </p:clrMapOvr>
-</p:sld>
-</file>
-
-<file path=ppt/slides/slide3.xml><?xml version="1.0" encoding="utf-8"?>
-<p:sld xmlns:a="http://schemas.openxmlformats.org/drawingml/2006/main" xmlns:r="http://schemas.openxmlformats.org/officeDocument/2006/relationships" xmlns:p="http://schemas.openxmlformats.org/presentationml/2006/main">
-  <p:cSld>
-    <p:spTree>
-      <p:nvGrpSpPr>
-        <p:cNvPr id="1" name=""/>
-        <p:cNvGrpSpPr/>
-        <p:nvPr/>
-      </p:nvGrpSpPr>
-      <p:grpSpPr>
-        <a:xfrm>
-          <a:off x="0" y="0"/>
-          <a:ext cx="0" cy="0"/>
-          <a:chOff x="0" y="0"/>
-          <a:chExt cx="0" cy="0"/>
-        </a:xfrm>
-      </p:grpSpPr>
-      <p:sp>
-        <p:nvSpPr>
-          <p:cNvPr id="2" name="Título 1">
-            <a:extLst>
-              <a:ext uri="{FF2B5EF4-FFF2-40B4-BE49-F238E27FC236}">
-                <a16:creationId xmlns:a16="http://schemas.microsoft.com/office/drawing/2014/main" id="{EB630F08-6B46-4C64-8B9C-76370181E77C}"/>
-              </a:ext>
-            </a:extLst>
-          </p:cNvPr>
-          <p:cNvSpPr>
-            <a:spLocks noGrp="1"/>
-          </p:cNvSpPr>
-          <p:nvPr>
-            <p:ph type="title"/>
-          </p:nvPr>
-        </p:nvSpPr>
-        <p:spPr/>
-        <p:txBody>
-          <a:bodyPr/>
-          <a:lstStyle/>
-          <a:p>
-            <a:r>
-              <a:rPr lang="pt-BR" dirty="0"/>
-              <a:t>Agenda</a:t>
-            </a:r>
-          </a:p>
-        </p:txBody>
-      </p:sp>
-      <p:sp>
-        <p:nvSpPr>
-          <p:cNvPr id="3" name="Espaço Reservado para Conteúdo 2">
-            <a:extLst>
-              <a:ext uri="{FF2B5EF4-FFF2-40B4-BE49-F238E27FC236}">
-                <a16:creationId xmlns:a16="http://schemas.microsoft.com/office/drawing/2014/main" id="{DFC3339E-7E71-4657-B0EA-7782A4AC25E0}"/>
-              </a:ext>
-            </a:extLst>
-          </p:cNvPr>
-          <p:cNvSpPr>
-            <a:spLocks noGrp="1"/>
-          </p:cNvSpPr>
-          <p:nvPr>
-            <p:ph idx="1"/>
-          </p:nvPr>
-        </p:nvSpPr>
-        <p:spPr/>
-        <p:txBody>
-          <a:bodyPr>
-            <a:normAutofit/>
-          </a:bodyPr>
-          <a:lstStyle/>
-          <a:p>
-            <a:pPr marL="342900" indent="-342900">
-              <a:buFont typeface="+mj-lt"/>
-              <a:buAutoNum type="arabicPeriod"/>
-            </a:pPr>
-            <a:r>
-              <a:rPr lang="pt-BR" dirty="0"/>
-              <a:t>Quais problemas o Kafka Resolve?</a:t>
-            </a:r>
-          </a:p>
-          <a:p>
-            <a:pPr marL="342900" indent="-342900">
-              <a:buFont typeface="+mj-lt"/>
-              <a:buAutoNum type="arabicPeriod"/>
-            </a:pPr>
-            <a:r>
-              <a:rPr lang="pt-BR" dirty="0"/>
-              <a:t>Como é definida a Arquitetura de um broker Kafka?</a:t>
-            </a:r>
-          </a:p>
-          <a:p>
-            <a:pPr marL="342900" indent="-342900">
-              <a:buFont typeface="+mj-lt"/>
-              <a:buAutoNum type="arabicPeriod"/>
-            </a:pPr>
-            <a:r>
-              <a:rPr lang="pt-BR" dirty="0"/>
-              <a:t>Como desenhar uma arquitetura usando Kafka?</a:t>
-            </a:r>
-          </a:p>
-          <a:p>
-            <a:pPr marL="342900" indent="-342900">
-              <a:buFont typeface="+mj-lt"/>
-              <a:buAutoNum type="arabicPeriod"/>
-            </a:pPr>
-            <a:r>
-              <a:rPr lang="pt-BR" dirty="0"/>
-              <a:t>Usando Kafka no Java SE</a:t>
-            </a:r>
-          </a:p>
-          <a:p>
-            <a:pPr marL="342900" indent="-342900">
-              <a:buFont typeface="+mj-lt"/>
-              <a:buAutoNum type="arabicPeriod"/>
-            </a:pPr>
-            <a:r>
-              <a:rPr lang="pt-BR" dirty="0"/>
-              <a:t>Usando Kafka no </a:t>
-            </a:r>
-            <a:r>
-              <a:rPr lang="pt-BR" dirty="0" err="1"/>
-              <a:t>Quarkus</a:t>
-            </a:r>
-            <a:endParaRPr lang="pt-BR" dirty="0"/>
-          </a:p>
-        </p:txBody>
-      </p:sp>
-    </p:spTree>
-    <p:extLst>
-      <p:ext uri="{BB962C8B-B14F-4D97-AF65-F5344CB8AC3E}">
-        <p14:creationId xmlns:p14="http://schemas.microsoft.com/office/powerpoint/2010/main" val="1524139716"/>
       </p:ext>
     </p:extLst>
   </p:cSld>
